--- a/doc/task01/Task 1.pptx
+++ b/doc/task01/Task 1.pptx
@@ -14,8 +14,8 @@
     <p:sldId id="279" r:id="rId3"/>
     <p:sldId id="273" r:id="rId4"/>
     <p:sldId id="280" r:id="rId5"/>
-    <p:sldId id="281" r:id="rId6"/>
-    <p:sldId id="282" r:id="rId7"/>
+    <p:sldId id="282" r:id="rId6"/>
+    <p:sldId id="286" r:id="rId7"/>
     <p:sldId id="283" r:id="rId8"/>
     <p:sldId id="284" r:id="rId9"/>
     <p:sldId id="285" r:id="rId10"/>
@@ -1384,16 +1384,12 @@
   <p:clrMapOvr>
     <a:masterClrMapping/>
   </p:clrMapOvr>
-  <mc:AlternateContent xmlns:mc="http://schemas.openxmlformats.org/markup-compatibility/2006" xmlns:p14="http://schemas.microsoft.com/office/powerpoint/2010/main">
-    <mc:Choice Requires="p14">
-      <p:transition spd="med" p14:dur="700">
-        <p:fade/>
-      </p:transition>
+  <mc:AlternateContent xmlns:mc="http://schemas.openxmlformats.org/markup-compatibility/2006">
+    <mc:Choice xmlns:p14="http://schemas.microsoft.com/office/powerpoint/2010/main" Requires="p14">
+      <p:transition p14:dur="0"/>
     </mc:Choice>
-    <mc:Fallback xmlns="">
-      <p:transition spd="med">
-        <p:fade/>
-      </p:transition>
+    <mc:Fallback>
+      <p:transition/>
     </mc:Fallback>
   </mc:AlternateContent>
   <p:timing>
@@ -1660,16 +1656,12 @@
   <p:clrMapOvr>
     <a:masterClrMapping/>
   </p:clrMapOvr>
-  <mc:AlternateContent xmlns:mc="http://schemas.openxmlformats.org/markup-compatibility/2006" xmlns:p14="http://schemas.microsoft.com/office/powerpoint/2010/main">
-    <mc:Choice Requires="p14">
-      <p:transition spd="med" p14:dur="700">
-        <p:fade/>
-      </p:transition>
+  <mc:AlternateContent xmlns:mc="http://schemas.openxmlformats.org/markup-compatibility/2006">
+    <mc:Choice xmlns:p14="http://schemas.microsoft.com/office/powerpoint/2010/main" Requires="p14">
+      <p:transition p14:dur="0"/>
     </mc:Choice>
-    <mc:Fallback xmlns="">
-      <p:transition spd="med">
-        <p:fade/>
-      </p:transition>
+    <mc:Fallback>
+      <p:transition/>
     </mc:Fallback>
   </mc:AlternateContent>
   <p:timing>
@@ -1860,16 +1852,12 @@
   <p:clrMapOvr>
     <a:masterClrMapping/>
   </p:clrMapOvr>
-  <mc:AlternateContent xmlns:mc="http://schemas.openxmlformats.org/markup-compatibility/2006" xmlns:p14="http://schemas.microsoft.com/office/powerpoint/2010/main">
-    <mc:Choice Requires="p14">
-      <p:transition spd="med" p14:dur="700">
-        <p:fade/>
-      </p:transition>
+  <mc:AlternateContent xmlns:mc="http://schemas.openxmlformats.org/markup-compatibility/2006">
+    <mc:Choice xmlns:p14="http://schemas.microsoft.com/office/powerpoint/2010/main" Requires="p14">
+      <p:transition p14:dur="0"/>
     </mc:Choice>
-    <mc:Fallback xmlns="">
-      <p:transition spd="med">
-        <p:fade/>
-      </p:transition>
+    <mc:Fallback>
+      <p:transition/>
     </mc:Fallback>
   </mc:AlternateContent>
   <p:timing>
@@ -2070,16 +2058,12 @@
   <p:clrMapOvr>
     <a:masterClrMapping/>
   </p:clrMapOvr>
-  <mc:AlternateContent xmlns:mc="http://schemas.openxmlformats.org/markup-compatibility/2006" xmlns:p14="http://schemas.microsoft.com/office/powerpoint/2010/main">
-    <mc:Choice Requires="p14">
-      <p:transition spd="med" p14:dur="700">
-        <p:fade/>
-      </p:transition>
+  <mc:AlternateContent xmlns:mc="http://schemas.openxmlformats.org/markup-compatibility/2006">
+    <mc:Choice xmlns:p14="http://schemas.microsoft.com/office/powerpoint/2010/main" Requires="p14">
+      <p:transition p14:dur="0"/>
     </mc:Choice>
-    <mc:Fallback xmlns="">
-      <p:transition spd="med">
-        <p:fade/>
-      </p:transition>
+    <mc:Fallback>
+      <p:transition/>
     </mc:Fallback>
   </mc:AlternateContent>
   <p:timing>
@@ -2270,16 +2254,12 @@
   <p:clrMapOvr>
     <a:masterClrMapping/>
   </p:clrMapOvr>
-  <mc:AlternateContent xmlns:mc="http://schemas.openxmlformats.org/markup-compatibility/2006" xmlns:p14="http://schemas.microsoft.com/office/powerpoint/2010/main">
-    <mc:Choice Requires="p14">
-      <p:transition spd="med" p14:dur="700">
-        <p:fade/>
-      </p:transition>
+  <mc:AlternateContent xmlns:mc="http://schemas.openxmlformats.org/markup-compatibility/2006">
+    <mc:Choice xmlns:p14="http://schemas.microsoft.com/office/powerpoint/2010/main" Requires="p14">
+      <p:transition p14:dur="0"/>
     </mc:Choice>
-    <mc:Fallback xmlns="">
-      <p:transition spd="med">
-        <p:fade/>
-      </p:transition>
+    <mc:Fallback>
+      <p:transition/>
     </mc:Fallback>
   </mc:AlternateContent>
   <p:timing>
@@ -3023,16 +3003,12 @@
   <p:clrMapOvr>
     <a:masterClrMapping/>
   </p:clrMapOvr>
-  <mc:AlternateContent xmlns:mc="http://schemas.openxmlformats.org/markup-compatibility/2006" xmlns:p14="http://schemas.microsoft.com/office/powerpoint/2010/main">
-    <mc:Choice Requires="p14">
-      <p:transition spd="med" p14:dur="700">
-        <p:fade/>
-      </p:transition>
+  <mc:AlternateContent xmlns:mc="http://schemas.openxmlformats.org/markup-compatibility/2006">
+    <mc:Choice xmlns:p14="http://schemas.microsoft.com/office/powerpoint/2010/main" Requires="p14">
+      <p:transition p14:dur="0"/>
     </mc:Choice>
-    <mc:Fallback xmlns="">
-      <p:transition spd="med">
-        <p:fade/>
-      </p:transition>
+    <mc:Fallback>
+      <p:transition/>
     </mc:Fallback>
   </mc:AlternateContent>
   <p:timing>
@@ -3329,16 +3305,12 @@
   <p:clrMapOvr>
     <a:masterClrMapping/>
   </p:clrMapOvr>
-  <mc:AlternateContent xmlns:mc="http://schemas.openxmlformats.org/markup-compatibility/2006" xmlns:p14="http://schemas.microsoft.com/office/powerpoint/2010/main">
-    <mc:Choice Requires="p14">
-      <p:transition spd="med" p14:dur="700">
-        <p:fade/>
-      </p:transition>
+  <mc:AlternateContent xmlns:mc="http://schemas.openxmlformats.org/markup-compatibility/2006">
+    <mc:Choice xmlns:p14="http://schemas.microsoft.com/office/powerpoint/2010/main" Requires="p14">
+      <p:transition p14:dur="0"/>
     </mc:Choice>
-    <mc:Fallback xmlns="">
-      <p:transition spd="med">
-        <p:fade/>
-      </p:transition>
+    <mc:Fallback>
+      <p:transition/>
     </mc:Fallback>
   </mc:AlternateContent>
   <p:timing>
@@ -3793,16 +3765,12 @@
   <p:clrMapOvr>
     <a:masterClrMapping/>
   </p:clrMapOvr>
-  <mc:AlternateContent xmlns:mc="http://schemas.openxmlformats.org/markup-compatibility/2006" xmlns:p14="http://schemas.microsoft.com/office/powerpoint/2010/main">
-    <mc:Choice Requires="p14">
-      <p:transition spd="med" p14:dur="700">
-        <p:fade/>
-      </p:transition>
+  <mc:AlternateContent xmlns:mc="http://schemas.openxmlformats.org/markup-compatibility/2006">
+    <mc:Choice xmlns:p14="http://schemas.microsoft.com/office/powerpoint/2010/main" Requires="p14">
+      <p:transition p14:dur="0"/>
     </mc:Choice>
-    <mc:Fallback xmlns="">
-      <p:transition spd="med">
-        <p:fade/>
-      </p:transition>
+    <mc:Fallback>
+      <p:transition/>
     </mc:Fallback>
   </mc:AlternateContent>
   <p:timing>
@@ -3925,16 +3893,12 @@
   <p:clrMapOvr>
     <a:masterClrMapping/>
   </p:clrMapOvr>
-  <mc:AlternateContent xmlns:mc="http://schemas.openxmlformats.org/markup-compatibility/2006" xmlns:p14="http://schemas.microsoft.com/office/powerpoint/2010/main">
-    <mc:Choice Requires="p14">
-      <p:transition spd="med" p14:dur="700">
-        <p:fade/>
-      </p:transition>
+  <mc:AlternateContent xmlns:mc="http://schemas.openxmlformats.org/markup-compatibility/2006">
+    <mc:Choice xmlns:p14="http://schemas.microsoft.com/office/powerpoint/2010/main" Requires="p14">
+      <p:transition p14:dur="0"/>
     </mc:Choice>
-    <mc:Fallback xmlns="">
-      <p:transition spd="med">
-        <p:fade/>
-      </p:transition>
+    <mc:Fallback>
+      <p:transition/>
     </mc:Fallback>
   </mc:AlternateContent>
   <p:timing>
@@ -3969,16 +3933,12 @@
   <p:clrMapOvr>
     <a:masterClrMapping/>
   </p:clrMapOvr>
-  <mc:AlternateContent xmlns:mc="http://schemas.openxmlformats.org/markup-compatibility/2006" xmlns:p14="http://schemas.microsoft.com/office/powerpoint/2010/main">
-    <mc:Choice Requires="p14">
-      <p:transition spd="med" p14:dur="700">
-        <p:fade/>
-      </p:transition>
+  <mc:AlternateContent xmlns:mc="http://schemas.openxmlformats.org/markup-compatibility/2006">
+    <mc:Choice xmlns:p14="http://schemas.microsoft.com/office/powerpoint/2010/main" Requires="p14">
+      <p:transition p14:dur="0"/>
     </mc:Choice>
-    <mc:Fallback xmlns="">
-      <p:transition spd="med">
-        <p:fade/>
-      </p:transition>
+    <mc:Fallback>
+      <p:transition/>
     </mc:Fallback>
   </mc:AlternateContent>
   <p:timing>
@@ -4110,6 +4070,9 @@
           </a:bodyPr>
           <a:lstStyle>
             <a:lvl1pPr>
+              <a:spcAft>
+                <a:spcPts val="1200"/>
+              </a:spcAft>
               <a:defRPr sz="2800"/>
             </a:lvl1pPr>
             <a:lvl2pPr>
@@ -4140,38 +4103,38 @@
           <a:p>
             <a:pPr lvl="0"/>
             <a:r>
-              <a:rPr lang="en-US" smtClean="0"/>
+              <a:rPr lang="en-US" dirty="0" smtClean="0"/>
               <a:t>Click to edit Master text styles</a:t>
             </a:r>
           </a:p>
           <a:p>
             <a:pPr lvl="1"/>
             <a:r>
-              <a:rPr lang="en-US" smtClean="0"/>
+              <a:rPr lang="en-US" dirty="0" smtClean="0"/>
               <a:t>Second level</a:t>
             </a:r>
           </a:p>
           <a:p>
             <a:pPr lvl="2"/>
             <a:r>
-              <a:rPr lang="en-US" smtClean="0"/>
+              <a:rPr lang="en-US" dirty="0" smtClean="0"/>
               <a:t>Third level</a:t>
             </a:r>
           </a:p>
           <a:p>
             <a:pPr lvl="3"/>
             <a:r>
-              <a:rPr lang="en-US" smtClean="0"/>
+              <a:rPr lang="en-US" dirty="0" smtClean="0"/>
               <a:t>Fourth level</a:t>
             </a:r>
           </a:p>
           <a:p>
             <a:pPr lvl="4"/>
             <a:r>
-              <a:rPr lang="en-US" smtClean="0"/>
+              <a:rPr lang="en-US" dirty="0" smtClean="0"/>
               <a:t>Fifth level</a:t>
             </a:r>
-            <a:endParaRPr/>
+            <a:endParaRPr dirty="0"/>
           </a:p>
         </p:txBody>
       </p:sp>
@@ -4254,16 +4217,12 @@
   <p:clrMapOvr>
     <a:masterClrMapping/>
   </p:clrMapOvr>
-  <mc:AlternateContent xmlns:mc="http://schemas.openxmlformats.org/markup-compatibility/2006" xmlns:p14="http://schemas.microsoft.com/office/powerpoint/2010/main">
-    <mc:Choice Requires="p14">
-      <p:transition spd="med" p14:dur="700">
-        <p:fade/>
-      </p:transition>
+  <mc:AlternateContent xmlns:mc="http://schemas.openxmlformats.org/markup-compatibility/2006">
+    <mc:Choice xmlns:p14="http://schemas.microsoft.com/office/powerpoint/2010/main" Requires="p14">
+      <p:transition p14:dur="0"/>
     </mc:Choice>
-    <mc:Fallback xmlns="">
-      <p:transition spd="med">
-        <p:fade/>
-      </p:transition>
+    <mc:Fallback>
+      <p:transition/>
     </mc:Fallback>
   </mc:AlternateContent>
   <p:timing>
@@ -5013,16 +4972,12 @@
   <p:clrMapOvr>
     <a:masterClrMapping/>
   </p:clrMapOvr>
-  <mc:AlternateContent xmlns:mc="http://schemas.openxmlformats.org/markup-compatibility/2006" xmlns:p14="http://schemas.microsoft.com/office/powerpoint/2010/main">
-    <mc:Choice Requires="p14">
-      <p:transition spd="med" p14:dur="700">
-        <p:fade/>
-      </p:transition>
+  <mc:AlternateContent xmlns:mc="http://schemas.openxmlformats.org/markup-compatibility/2006">
+    <mc:Choice xmlns:p14="http://schemas.microsoft.com/office/powerpoint/2010/main" Requires="p14">
+      <p:transition p14:dur="0"/>
     </mc:Choice>
-    <mc:Fallback xmlns="">
-      <p:transition spd="med">
-        <p:fade/>
-      </p:transition>
+    <mc:Fallback>
+      <p:transition/>
     </mc:Fallback>
   </mc:AlternateContent>
   <p:timing>
@@ -5285,16 +5240,12 @@
     <p:sldLayoutId id="2147483678" r:id="rId11"/>
     <p:sldLayoutId id="2147483679" r:id="rId12"/>
   </p:sldLayoutIdLst>
-  <mc:AlternateContent xmlns:mc="http://schemas.openxmlformats.org/markup-compatibility/2006" xmlns:p14="http://schemas.microsoft.com/office/powerpoint/2010/main">
-    <mc:Choice Requires="p14">
-      <p:transition spd="med" p14:dur="700">
-        <p:fade/>
-      </p:transition>
+  <mc:AlternateContent xmlns:mc="http://schemas.openxmlformats.org/markup-compatibility/2006">
+    <mc:Choice xmlns:p14="http://schemas.microsoft.com/office/powerpoint/2010/main" Requires="p14">
+      <p:transition p14:dur="0"/>
     </mc:Choice>
-    <mc:Fallback xmlns="">
-      <p:transition spd="med">
-        <p:fade/>
-      </p:transition>
+    <mc:Fallback>
+      <p:transition/>
     </mc:Fallback>
   </mc:AlternateContent>
   <p:timing>
@@ -5719,16 +5670,12 @@
   <p:clrMapOvr>
     <a:masterClrMapping/>
   </p:clrMapOvr>
-  <mc:AlternateContent xmlns:mc="http://schemas.openxmlformats.org/markup-compatibility/2006" xmlns:p14="http://schemas.microsoft.com/office/powerpoint/2010/main">
-    <mc:Choice Requires="p14">
-      <p:transition spd="med" p14:dur="700">
-        <p:fade/>
-      </p:transition>
+  <mc:AlternateContent xmlns:mc="http://schemas.openxmlformats.org/markup-compatibility/2006">
+    <mc:Choice xmlns:p14="http://schemas.microsoft.com/office/powerpoint/2010/main" Requires="p14">
+      <p:transition p14:dur="0"/>
     </mc:Choice>
-    <mc:Fallback xmlns="">
-      <p:transition spd="med">
-        <p:fade/>
-      </p:transition>
+    <mc:Fallback>
+      <p:transition/>
     </mc:Fallback>
   </mc:AlternateContent>
   <p:timing>
@@ -5776,8 +5723,8 @@
           <a:lstStyle/>
           <a:p>
             <a:r>
-              <a:rPr lang="en-US" sz="3200" dirty="0" smtClean="0"/>
-              <a:t>Target users</a:t>
+              <a:rPr lang="en-US" sz="3200" dirty="0" err="1" smtClean="0"/>
+              <a:t>Zielgruppe</a:t>
             </a:r>
             <a:endParaRPr lang="en-US" sz="3200" dirty="0"/>
           </a:p>
@@ -5814,9 +5761,10 @@
               <a:buChar char="•"/>
             </a:pPr>
             <a:r>
-              <a:rPr lang="en-GB" dirty="0"/>
-              <a:t>Doctors </a:t>
-            </a:r>
+              <a:rPr lang="de-CH" dirty="0" smtClean="0"/>
+              <a:t>Ärzte</a:t>
+            </a:r>
+            <a:endParaRPr lang="en-GB" dirty="0"/>
           </a:p>
           <a:p>
             <a:pPr marL="457200" indent="-457200">
@@ -5830,8 +5778,8 @@
               <a:buChar char="•"/>
             </a:pPr>
             <a:r>
-              <a:rPr lang="en-GB" dirty="0" smtClean="0"/>
-              <a:t>Nurses</a:t>
+              <a:rPr lang="en-GB" dirty="0" err="1" smtClean="0"/>
+              <a:t>Krankenschwestern</a:t>
             </a:r>
             <a:endParaRPr lang="en-GB" dirty="0"/>
           </a:p>
@@ -5847,9 +5795,10 @@
               <a:buChar char="•"/>
             </a:pPr>
             <a:r>
-              <a:rPr lang="en-GB" dirty="0"/>
-              <a:t>Health visitors </a:t>
-            </a:r>
+              <a:rPr lang="en-GB" dirty="0" err="1" smtClean="0"/>
+              <a:t>Spitalaufsicht</a:t>
+            </a:r>
+            <a:endParaRPr lang="en-GB" dirty="0"/>
           </a:p>
           <a:p>
             <a:pPr marL="457200" indent="-457200">
@@ -5863,8 +5812,8 @@
               <a:buChar char="•"/>
             </a:pPr>
             <a:r>
-              <a:rPr lang="en-GB" dirty="0" smtClean="0"/>
-              <a:t>Receptionists</a:t>
+              <a:rPr lang="en-GB" dirty="0" err="1" smtClean="0"/>
+              <a:t>Rezeption</a:t>
             </a:r>
             <a:endParaRPr lang="en-GB" dirty="0"/>
           </a:p>
@@ -5880,13 +5829,10 @@
               <a:buChar char="•"/>
             </a:pPr>
             <a:r>
-              <a:rPr lang="en-GB" dirty="0"/>
-              <a:t>Medical records </a:t>
-            </a:r>
-            <a:r>
-              <a:rPr lang="en-GB" dirty="0" smtClean="0"/>
-              <a:t>staff</a:t>
-            </a:r>
+              <a:rPr lang="en-GB" dirty="0" err="1" smtClean="0"/>
+              <a:t>Medizinalstab</a:t>
+            </a:r>
+            <a:endParaRPr lang="en-GB" dirty="0" smtClean="0"/>
           </a:p>
           <a:p>
             <a:endParaRPr lang="en-US" dirty="0"/>
@@ -5903,16 +5849,12 @@
   <p:clrMapOvr>
     <a:masterClrMapping/>
   </p:clrMapOvr>
-  <mc:AlternateContent xmlns:mc="http://schemas.openxmlformats.org/markup-compatibility/2006" xmlns:p14="http://schemas.microsoft.com/office/powerpoint/2010/main">
-    <mc:Choice Requires="p14">
-      <p:transition spd="med" p14:dur="700">
-        <p:fade/>
-      </p:transition>
+  <mc:AlternateContent xmlns:mc="http://schemas.openxmlformats.org/markup-compatibility/2006">
+    <mc:Choice xmlns:p14="http://schemas.microsoft.com/office/powerpoint/2010/main" Requires="p14">
+      <p:transition p14:dur="0"/>
     </mc:Choice>
-    <mc:Fallback xmlns="">
-      <p:transition spd="med">
-        <p:fade/>
-      </p:transition>
+    <mc:Fallback>
+      <p:transition/>
     </mc:Fallback>
   </mc:AlternateContent>
   <p:timing>
@@ -5988,113 +5930,116 @@
           <a:lstStyle/>
           <a:p>
             <a:pPr marL="457200" indent="-457200">
+              <a:spcBef>
+                <a:spcPts val="1200"/>
+              </a:spcBef>
+              <a:spcAft>
+                <a:spcPts val="1200"/>
+              </a:spcAft>
               <a:buFont typeface="Arial" panose="020B0604020202020204" pitchFamily="34" charset="0"/>
               <a:buChar char="•"/>
             </a:pPr>
             <a:r>
-              <a:rPr lang="en-GB" dirty="0"/>
-              <a:t>Management of personal information (</a:t>
-            </a:r>
-            <a:r>
-              <a:rPr lang="en-GB" dirty="0" err="1"/>
-              <a:t>Patientenverwaltung</a:t>
-            </a:r>
-            <a:r>
-              <a:rPr lang="en-GB" dirty="0"/>
-              <a:t>)</a:t>
-            </a:r>
+              <a:rPr lang="de-CH" dirty="0" smtClean="0"/>
+              <a:t>Patientenmanagement</a:t>
+            </a:r>
+            <a:endParaRPr lang="en-GB" dirty="0"/>
           </a:p>
           <a:p>
             <a:pPr marL="457200" indent="-457200">
+              <a:spcBef>
+                <a:spcPts val="1200"/>
+              </a:spcBef>
+              <a:spcAft>
+                <a:spcPts val="1200"/>
+              </a:spcAft>
               <a:buFont typeface="Arial" panose="020B0604020202020204" pitchFamily="34" charset="0"/>
               <a:buChar char="•"/>
             </a:pPr>
             <a:r>
-              <a:rPr lang="en-GB" dirty="0"/>
-              <a:t>Retrieval of important information (meetings, prescriptions, medication, instructions)</a:t>
-            </a:r>
+              <a:rPr lang="en-GB" dirty="0" err="1" smtClean="0"/>
+              <a:t>Terminverwaltung</a:t>
+            </a:r>
+            <a:endParaRPr lang="en-GB" dirty="0"/>
           </a:p>
           <a:p>
             <a:pPr marL="457200" indent="-457200">
+              <a:spcBef>
+                <a:spcPts val="1200"/>
+              </a:spcBef>
+              <a:spcAft>
+                <a:spcPts val="1200"/>
+              </a:spcAft>
               <a:buFont typeface="Arial" panose="020B0604020202020204" pitchFamily="34" charset="0"/>
               <a:buChar char="•"/>
             </a:pPr>
             <a:r>
-              <a:rPr lang="en-GB" dirty="0"/>
-              <a:t>Contact-information to the </a:t>
-            </a:r>
-            <a:r>
-              <a:rPr lang="en-GB" dirty="0" err="1"/>
-              <a:t>responsable</a:t>
-            </a:r>
-            <a:r>
-              <a:rPr lang="en-GB" dirty="0"/>
-              <a:t> person (questions, etc.)</a:t>
-            </a:r>
+              <a:rPr lang="en-GB" dirty="0" err="1" smtClean="0"/>
+              <a:t>Terminerinnerungsfunktion</a:t>
+            </a:r>
+            <a:endParaRPr lang="en-GB" dirty="0"/>
           </a:p>
           <a:p>
             <a:pPr marL="457200" indent="-457200">
+              <a:spcBef>
+                <a:spcPts val="1200"/>
+              </a:spcBef>
+              <a:spcAft>
+                <a:spcPts val="1200"/>
+              </a:spcAft>
               <a:buFont typeface="Arial" panose="020B0604020202020204" pitchFamily="34" charset="0"/>
               <a:buChar char="•"/>
             </a:pPr>
             <a:r>
-              <a:rPr lang="en-GB" dirty="0"/>
-              <a:t>Creating and managing appointments</a:t>
-            </a:r>
+              <a:rPr lang="en-GB" dirty="0" err="1" smtClean="0"/>
+              <a:t>Krankengeschichte</a:t>
+            </a:r>
+            <a:r>
+              <a:rPr lang="en-GB" dirty="0" smtClean="0"/>
+              <a:t> (</a:t>
+            </a:r>
+            <a:r>
+              <a:rPr lang="en-GB" dirty="0" err="1" smtClean="0"/>
+              <a:t>Patientenakte</a:t>
+            </a:r>
+            <a:r>
+              <a:rPr lang="en-GB" dirty="0" smtClean="0"/>
+              <a:t>)</a:t>
+            </a:r>
+            <a:endParaRPr lang="en-GB" dirty="0"/>
           </a:p>
           <a:p>
             <a:pPr marL="457200" indent="-457200">
+              <a:spcBef>
+                <a:spcPts val="1200"/>
+              </a:spcBef>
+              <a:spcAft>
+                <a:spcPts val="1200"/>
+              </a:spcAft>
               <a:buFont typeface="Arial" panose="020B0604020202020204" pitchFamily="34" charset="0"/>
               <a:buChar char="•"/>
             </a:pPr>
             <a:r>
-              <a:rPr lang="en-GB" dirty="0"/>
-              <a:t>Automatic appointment reminders (app/</a:t>
-            </a:r>
-            <a:r>
-              <a:rPr lang="en-GB" dirty="0" err="1"/>
-              <a:t>sms</a:t>
-            </a:r>
-            <a:r>
-              <a:rPr lang="en-GB" dirty="0"/>
-              <a:t>)</a:t>
-            </a:r>
+              <a:rPr lang="de-CH" dirty="0" smtClean="0"/>
+              <a:t>Berichtgenerierung</a:t>
+            </a:r>
+            <a:endParaRPr lang="en-GB" dirty="0"/>
           </a:p>
           <a:p>
             <a:pPr marL="457200" indent="-457200">
+              <a:spcBef>
+                <a:spcPts val="1200"/>
+              </a:spcBef>
+              <a:spcAft>
+                <a:spcPts val="1200"/>
+              </a:spcAft>
               <a:buFont typeface="Arial" panose="020B0604020202020204" pitchFamily="34" charset="0"/>
               <a:buChar char="•"/>
             </a:pPr>
             <a:r>
-              <a:rPr lang="en-GB" dirty="0"/>
-              <a:t>"Health and Feel"-diary (Receipt-management)</a:t>
-            </a:r>
-          </a:p>
-          <a:p>
-            <a:pPr marL="457200" indent="-457200">
-              <a:buFont typeface="Arial" panose="020B0604020202020204" pitchFamily="34" charset="0"/>
-              <a:buChar char="•"/>
-            </a:pPr>
-            <a:r>
-              <a:rPr lang="en-GB" dirty="0"/>
-              <a:t>Report generation for hospital management</a:t>
-            </a:r>
-          </a:p>
-          <a:p>
-            <a:pPr marL="457200" indent="-457200">
-              <a:buFont typeface="Arial" panose="020B0604020202020204" pitchFamily="34" charset="0"/>
-              <a:buChar char="•"/>
-            </a:pPr>
-            <a:r>
-              <a:rPr lang="en-GB" dirty="0" err="1"/>
-              <a:t>Spital</a:t>
-            </a:r>
-            <a:r>
-              <a:rPr lang="en-GB" dirty="0"/>
-              <a:t> management</a:t>
-            </a:r>
-          </a:p>
-          <a:p>
+              <a:rPr lang="en-GB" dirty="0" err="1" smtClean="0"/>
+              <a:t>Spitalverwaltung</a:t>
+            </a:r>
             <a:endParaRPr lang="en-US" dirty="0"/>
           </a:p>
         </p:txBody>
@@ -6109,16 +6054,12 @@
   <p:clrMapOvr>
     <a:masterClrMapping/>
   </p:clrMapOvr>
-  <mc:AlternateContent xmlns:mc="http://schemas.openxmlformats.org/markup-compatibility/2006" xmlns:p14="http://schemas.microsoft.com/office/powerpoint/2010/main">
-    <mc:Choice Requires="p14">
-      <p:transition spd="med" p14:dur="700">
-        <p:fade/>
-      </p:transition>
+  <mc:AlternateContent xmlns:mc="http://schemas.openxmlformats.org/markup-compatibility/2006">
+    <mc:Choice xmlns:p14="http://schemas.microsoft.com/office/powerpoint/2010/main" Requires="p14">
+      <p:transition p14:dur="0"/>
     </mc:Choice>
-    <mc:Fallback xmlns="">
-      <p:transition spd="med">
-        <p:fade/>
-      </p:transition>
+    <mc:Fallback>
+      <p:transition/>
     </mc:Fallback>
   </mc:AlternateContent>
   <p:timing>
@@ -6167,7 +6108,11 @@
           <a:p>
             <a:r>
               <a:rPr lang="en-US" sz="3200" dirty="0" smtClean="0"/>
-              <a:t>Critical success factors - general</a:t>
+              <a:t>KO-</a:t>
+            </a:r>
+            <a:r>
+              <a:rPr lang="en-US" sz="3200" dirty="0" err="1" smtClean="0"/>
+              <a:t>Kriterien</a:t>
             </a:r>
             <a:endParaRPr lang="en-US" sz="3200" dirty="0"/>
           </a:p>
@@ -6194,63 +6139,148 @@
           <a:lstStyle/>
           <a:p>
             <a:pPr marL="457200" indent="-457200">
+              <a:spcBef>
+                <a:spcPts val="1200"/>
+              </a:spcBef>
+              <a:spcAft>
+                <a:spcPts val="1200"/>
+              </a:spcAft>
               <a:buFont typeface="Arial" panose="020B0604020202020204" pitchFamily="34" charset="0"/>
               <a:buChar char="•"/>
             </a:pPr>
             <a:r>
+              <a:rPr lang="en-GB" dirty="0"/>
+              <a:t>Data Protection </a:t>
+            </a:r>
+            <a:r>
               <a:rPr lang="en-GB" dirty="0" smtClean="0"/>
-              <a:t>Professional </a:t>
+              <a:t>Act (</a:t>
+            </a:r>
+            <a:r>
+              <a:rPr lang="en-GB" dirty="0" err="1" smtClean="0"/>
+              <a:t>Daten</a:t>
+            </a:r>
+            <a:r>
+              <a:rPr lang="en-GB" dirty="0" smtClean="0"/>
+              <a:t> </a:t>
+            </a:r>
+            <a:r>
+              <a:rPr lang="en-GB" dirty="0" err="1" smtClean="0"/>
+              <a:t>sind</a:t>
             </a:r>
             <a:r>
               <a:rPr lang="en-GB" dirty="0"/>
-              <a:t>project management (from Wikipedia)</a:t>
-            </a:r>
+              <a:t> </a:t>
+            </a:r>
+            <a:r>
+              <a:rPr lang="en-GB" dirty="0" err="1" smtClean="0"/>
+              <a:t>vertraulich</a:t>
+            </a:r>
+            <a:r>
+              <a:rPr lang="en-GB" dirty="0" smtClean="0"/>
+              <a:t>)</a:t>
+            </a:r>
+            <a:endParaRPr lang="en-GB" dirty="0" smtClean="0"/>
           </a:p>
           <a:p>
             <a:pPr marL="457200" indent="-457200">
+              <a:spcBef>
+                <a:spcPts val="1200"/>
+              </a:spcBef>
+              <a:spcAft>
+                <a:spcPts val="1200"/>
+              </a:spcAft>
               <a:buFont typeface="Arial" panose="020B0604020202020204" pitchFamily="34" charset="0"/>
               <a:buChar char="•"/>
             </a:pPr>
             <a:r>
-              <a:rPr lang="en-GB" dirty="0"/>
-              <a:t>Identifying dangers and risks (from Wikipedia)</a:t>
-            </a:r>
+              <a:rPr lang="en-GB" dirty="0" err="1" smtClean="0"/>
+              <a:t>Daten</a:t>
+            </a:r>
+            <a:r>
+              <a:rPr lang="en-GB" dirty="0" smtClean="0"/>
+              <a:t> </a:t>
+            </a:r>
+            <a:r>
+              <a:rPr lang="en-GB" dirty="0" err="1" smtClean="0"/>
+              <a:t>müssen</a:t>
+            </a:r>
+            <a:r>
+              <a:rPr lang="en-GB" dirty="0" smtClean="0"/>
+              <a:t> </a:t>
+            </a:r>
+            <a:r>
+              <a:rPr lang="en-GB" dirty="0" err="1" smtClean="0"/>
+              <a:t>aktuell</a:t>
+            </a:r>
+            <a:r>
+              <a:rPr lang="en-GB" dirty="0" smtClean="0"/>
+              <a:t> sein</a:t>
+            </a:r>
+            <a:endParaRPr lang="en-GB" dirty="0"/>
           </a:p>
           <a:p>
             <a:pPr marL="457200" indent="-457200">
+              <a:spcBef>
+                <a:spcPts val="1200"/>
+              </a:spcBef>
+              <a:spcAft>
+                <a:spcPts val="1200"/>
+              </a:spcAft>
               <a:buFont typeface="Arial" panose="020B0604020202020204" pitchFamily="34" charset="0"/>
               <a:buChar char="•"/>
             </a:pPr>
             <a:r>
-              <a:rPr lang="en-GB" dirty="0"/>
-              <a:t>Detailed planning (from Wikipedia)</a:t>
-            </a:r>
-          </a:p>
-          <a:p>
-            <a:endParaRPr lang="en-US" b="1" dirty="0"/>
+              <a:rPr lang="en-GB" dirty="0" err="1" smtClean="0"/>
+              <a:t>Einfach</a:t>
+            </a:r>
+            <a:r>
+              <a:rPr lang="en-GB" dirty="0" smtClean="0"/>
+              <a:t> </a:t>
+            </a:r>
+            <a:r>
+              <a:rPr lang="en-GB" dirty="0" err="1" smtClean="0"/>
+              <a:t>zu</a:t>
+            </a:r>
+            <a:r>
+              <a:rPr lang="en-GB" dirty="0" smtClean="0"/>
+              <a:t> </a:t>
+            </a:r>
+            <a:r>
+              <a:rPr lang="en-GB" dirty="0" err="1" smtClean="0"/>
+              <a:t>bedienen</a:t>
+            </a:r>
+            <a:r>
+              <a:rPr lang="en-GB" dirty="0" smtClean="0"/>
+              <a:t>, </a:t>
+            </a:r>
+            <a:r>
+              <a:rPr lang="en-GB" dirty="0" err="1" smtClean="0"/>
+              <a:t>funktionell</a:t>
+            </a:r>
+            <a:endParaRPr lang="en-GB" dirty="0"/>
+          </a:p>
+          <a:p>
+            <a:endParaRPr lang="en-US" dirty="0"/>
           </a:p>
         </p:txBody>
       </p:sp>
     </p:spTree>
     <p:extLst>
       <p:ext uri="{BB962C8B-B14F-4D97-AF65-F5344CB8AC3E}">
-        <p14:creationId xmlns:p14="http://schemas.microsoft.com/office/powerpoint/2010/main" val="1846635791"/>
+        <p14:creationId xmlns:p14="http://schemas.microsoft.com/office/powerpoint/2010/main" val="2375555501"/>
       </p:ext>
     </p:extLst>
   </p:cSld>
   <p:clrMapOvr>
     <a:masterClrMapping/>
   </p:clrMapOvr>
-  <mc:AlternateContent xmlns:mc="http://schemas.openxmlformats.org/markup-compatibility/2006" xmlns:p14="http://schemas.microsoft.com/office/powerpoint/2010/main">
-    <mc:Choice Requires="p14">
-      <p:transition spd="med" p14:dur="700">
-        <p:fade/>
-      </p:transition>
+  <mc:AlternateContent xmlns:mc="http://schemas.openxmlformats.org/markup-compatibility/2006">
+    <mc:Choice xmlns:p14="http://schemas.microsoft.com/office/powerpoint/2010/main" Requires="p14">
+      <p:transition p14:dur="0"/>
     </mc:Choice>
-    <mc:Fallback xmlns="">
-      <p:transition spd="med">
-        <p:fade/>
-      </p:transition>
+    <mc:Fallback>
+      <p:transition/>
     </mc:Fallback>
   </mc:AlternateContent>
   <p:timing>
@@ -6280,124 +6310,65 @@
           <a:chExt cx="0" cy="0"/>
         </a:xfrm>
       </p:grpSpPr>
-      <p:sp>
-        <p:nvSpPr>
-          <p:cNvPr id="2" name="Title 1"/>
-          <p:cNvSpPr>
-            <a:spLocks noGrp="1"/>
-          </p:cNvSpPr>
-          <p:nvPr>
-            <p:ph type="title"/>
-          </p:nvPr>
-        </p:nvSpPr>
-        <p:spPr/>
-        <p:txBody>
-          <a:bodyPr>
-            <a:normAutofit/>
-          </a:bodyPr>
-          <a:lstStyle/>
-          <a:p>
-            <a:r>
-              <a:rPr lang="en-US" sz="3200" dirty="0" smtClean="0"/>
-              <a:t>Critical success factors - specific</a:t>
-            </a:r>
-            <a:endParaRPr lang="en-US" sz="3200" dirty="0"/>
-          </a:p>
-        </p:txBody>
-      </p:sp>
-      <p:sp>
-        <p:nvSpPr>
-          <p:cNvPr id="3" name="Text Placeholder 2"/>
-          <p:cNvSpPr>
-            <a:spLocks noGrp="1"/>
-          </p:cNvSpPr>
-          <p:nvPr>
-            <p:ph type="body" idx="1"/>
-          </p:nvPr>
-        </p:nvSpPr>
-        <p:spPr>
+      <p:pic>
+        <p:nvPicPr>
+          <p:cNvPr id="1026" name="Picture 2" descr="Projekt_Aufwand.jpg"/>
+          <p:cNvPicPr>
+            <a:picLocks noChangeAspect="1" noChangeArrowheads="1"/>
+          </p:cNvPicPr>
+          <p:nvPr/>
+        </p:nvPicPr>
+        <p:blipFill>
+          <a:blip r:embed="rId2">
+            <a:extLst>
+              <a:ext uri="{28A0092B-C50C-407E-A947-70E740481C1C}">
+                <a14:useLocalDpi xmlns:a14="http://schemas.microsoft.com/office/drawing/2010/main" val="0"/>
+              </a:ext>
+            </a:extLst>
+          </a:blip>
+          <a:srcRect/>
+          <a:stretch>
+            <a:fillRect/>
+          </a:stretch>
+        </p:blipFill>
+        <p:spPr bwMode="auto">
           <a:xfrm>
-            <a:off x="914161" y="1803400"/>
-            <a:ext cx="10360501" cy="4649936"/>
+            <a:off x="1053852" y="836712"/>
+            <a:ext cx="10076794" cy="4725006"/>
           </a:xfrm>
+          <a:prstGeom prst="rect">
+            <a:avLst/>
+          </a:prstGeom>
+          <a:noFill/>
+          <a:extLst>
+            <a:ext uri="{909E8E84-426E-40DD-AFC4-6F175D3DCCD1}">
+              <a14:hiddenFill xmlns:a14="http://schemas.microsoft.com/office/drawing/2010/main">
+                <a:solidFill>
+                  <a:srgbClr val="FFFFFF"/>
+                </a:solidFill>
+              </a14:hiddenFill>
+            </a:ext>
+          </a:extLst>
         </p:spPr>
-        <p:txBody>
-          <a:bodyPr/>
-          <a:lstStyle/>
-          <a:p>
-            <a:pPr marL="457200" indent="-457200">
-              <a:buFont typeface="Arial" panose="020B0604020202020204" pitchFamily="34" charset="0"/>
-              <a:buChar char="•"/>
-            </a:pPr>
-            <a:r>
-              <a:rPr lang="en-GB" dirty="0"/>
-              <a:t>Data Protection Act - personal information is confidential</a:t>
-            </a:r>
-          </a:p>
-          <a:p>
-            <a:pPr marL="457200" indent="-457200">
-              <a:buFont typeface="Arial" panose="020B0604020202020204" pitchFamily="34" charset="0"/>
-              <a:buChar char="•"/>
-            </a:pPr>
-            <a:r>
-              <a:rPr lang="en-GB" dirty="0"/>
-              <a:t>Provide timely information to facilitate the treatment of patients</a:t>
-            </a:r>
-          </a:p>
-          <a:p>
-            <a:pPr marL="457200" indent="-457200">
-              <a:buFont typeface="Arial" panose="020B0604020202020204" pitchFamily="34" charset="0"/>
-              <a:buChar char="•"/>
-            </a:pPr>
-            <a:r>
-              <a:rPr lang="en-GB" dirty="0"/>
-              <a:t>Generate management information which allows health service managers to assess performance against local and government targets</a:t>
-            </a:r>
-          </a:p>
-          <a:p>
-            <a:pPr marL="457200" indent="-457200">
-              <a:buFont typeface="Arial" panose="020B0604020202020204" pitchFamily="34" charset="0"/>
-              <a:buChar char="•"/>
-            </a:pPr>
-            <a:r>
-              <a:rPr lang="en-GB" dirty="0"/>
-              <a:t>Project specific factors (privacy, availability, ease of use, documentation, training of staff)</a:t>
-            </a:r>
-          </a:p>
-          <a:p>
-            <a:endParaRPr lang="en-US" dirty="0"/>
-          </a:p>
-        </p:txBody>
-      </p:sp>
+      </p:pic>
     </p:spTree>
     <p:extLst>
       <p:ext uri="{BB962C8B-B14F-4D97-AF65-F5344CB8AC3E}">
-        <p14:creationId xmlns:p14="http://schemas.microsoft.com/office/powerpoint/2010/main" val="2375555501"/>
+        <p14:creationId xmlns:p14="http://schemas.microsoft.com/office/powerpoint/2010/main" val="3013679552"/>
       </p:ext>
     </p:extLst>
   </p:cSld>
   <p:clrMapOvr>
     <a:masterClrMapping/>
   </p:clrMapOvr>
-  <mc:AlternateContent xmlns:mc="http://schemas.openxmlformats.org/markup-compatibility/2006" xmlns:p14="http://schemas.microsoft.com/office/powerpoint/2010/main">
-    <mc:Choice Requires="p14">
-      <p:transition spd="med" p14:dur="700">
-        <p:fade/>
-      </p:transition>
+  <mc:AlternateContent xmlns:mc="http://schemas.openxmlformats.org/markup-compatibility/2006">
+    <mc:Choice xmlns:p14="http://schemas.microsoft.com/office/powerpoint/2010/main" Requires="p14">
+      <p:transition p14:dur="0"/>
     </mc:Choice>
-    <mc:Fallback xmlns="">
-      <p:transition spd="med">
-        <p:fade/>
-      </p:transition>
+    <mc:Fallback>
+      <p:transition/>
     </mc:Fallback>
   </mc:AlternateContent>
-  <p:timing>
-    <p:tnLst>
-      <p:par>
-        <p:cTn id="1" dur="indefinite" restart="never" nodeType="tmRoot"/>
-      </p:par>
-    </p:tnLst>
-  </p:timing>
 </p:sld>
 </file>
 
@@ -6431,17 +6402,25 @@
         <p:spPr/>
         <p:txBody>
           <a:bodyPr>
-            <a:normAutofit fontScale="90000"/>
+            <a:normAutofit/>
           </a:bodyPr>
           <a:lstStyle/>
           <a:p>
             <a:r>
-              <a:rPr lang="en-GB" sz="3100" b="1" dirty="0"/>
-              <a:t>Potential System Components And </a:t>
+              <a:rPr lang="en-GB" sz="3100" b="1" dirty="0" err="1" smtClean="0"/>
+              <a:t>Potenzielle</a:t>
             </a:r>
             <a:r>
               <a:rPr lang="en-GB" sz="3100" b="1" dirty="0" smtClean="0"/>
-              <a:t>Architecture</a:t>
+              <a:t> </a:t>
+            </a:r>
+            <a:r>
+              <a:rPr lang="en-GB" sz="3100" b="1" dirty="0" err="1"/>
+              <a:t>K</a:t>
+            </a:r>
+            <a:r>
+              <a:rPr lang="en-GB" sz="3100" b="1" dirty="0" err="1" smtClean="0"/>
+              <a:t>omponenten</a:t>
             </a:r>
             <a:r>
               <a:rPr lang="en-GB" b="1" dirty="0"/>
@@ -6474,52 +6453,127 @@
           <a:bodyPr/>
           <a:lstStyle/>
           <a:p>
-            <a:r>
-              <a:rPr lang="en-GB" b="1" dirty="0"/>
-              <a:t>General</a:t>
-            </a:r>
-          </a:p>
-          <a:p>
             <a:pPr marL="457200" indent="-457200">
+              <a:spcBef>
+                <a:spcPts val="1200"/>
+              </a:spcBef>
+              <a:spcAft>
+                <a:spcPts val="1200"/>
+              </a:spcAft>
               <a:buFont typeface="Arial" panose="020B0604020202020204" pitchFamily="34" charset="0"/>
               <a:buChar char="•"/>
             </a:pPr>
             <a:r>
+              <a:rPr lang="en-GB" dirty="0" smtClean="0"/>
+              <a:t>Client </a:t>
+            </a:r>
+            <a:r>
               <a:rPr lang="en-GB" dirty="0"/>
-              <a:t>Client / Server Architecture</a:t>
-            </a:r>
+              <a:t>/ </a:t>
+            </a:r>
+            <a:r>
+              <a:rPr lang="en-GB" dirty="0" smtClean="0"/>
+              <a:t>Server</a:t>
+            </a:r>
+            <a:endParaRPr lang="en-GB" dirty="0"/>
           </a:p>
           <a:p>
             <a:pPr marL="457200" indent="-457200">
+              <a:spcBef>
+                <a:spcPts val="1200"/>
+              </a:spcBef>
+              <a:spcAft>
+                <a:spcPts val="1200"/>
+              </a:spcAft>
               <a:buFont typeface="Arial" panose="020B0604020202020204" pitchFamily="34" charset="0"/>
               <a:buChar char="•"/>
             </a:pPr>
             <a:r>
-              <a:rPr lang="en-GB" dirty="0"/>
-              <a:t>User (doctors, nurses, etc.) management including rights management</a:t>
-            </a:r>
+              <a:rPr lang="en-GB" dirty="0" err="1" smtClean="0"/>
+              <a:t>Benutzerverwaltung</a:t>
+            </a:r>
+            <a:endParaRPr lang="en-GB" dirty="0" smtClean="0"/>
           </a:p>
           <a:p>
             <a:pPr marL="457200" indent="-457200">
+              <a:spcBef>
+                <a:spcPts val="1200"/>
+              </a:spcBef>
+              <a:spcAft>
+                <a:spcPts val="1200"/>
+              </a:spcAft>
               <a:buFont typeface="Arial" panose="020B0604020202020204" pitchFamily="34" charset="0"/>
               <a:buChar char="•"/>
             </a:pPr>
             <a:r>
-              <a:rPr lang="en-GB" dirty="0"/>
-              <a:t>Patient management including address management</a:t>
-            </a:r>
+              <a:rPr lang="en-GB" dirty="0" err="1" smtClean="0"/>
+              <a:t>Rechtesystem</a:t>
+            </a:r>
+            <a:endParaRPr lang="en-GB" dirty="0" smtClean="0"/>
           </a:p>
           <a:p>
             <a:pPr marL="457200" indent="-457200">
+              <a:spcBef>
+                <a:spcPts val="1200"/>
+              </a:spcBef>
+              <a:spcAft>
+                <a:spcPts val="1200"/>
+              </a:spcAft>
               <a:buFont typeface="Arial" panose="020B0604020202020204" pitchFamily="34" charset="0"/>
               <a:buChar char="•"/>
             </a:pPr>
             <a:r>
-              <a:rPr lang="en-GB" dirty="0"/>
-              <a:t>Encryption</a:t>
-            </a:r>
-          </a:p>
-          <a:p>
+              <a:rPr lang="en-GB" dirty="0" err="1" smtClean="0"/>
+              <a:t>Patienten</a:t>
+            </a:r>
+            <a:r>
+              <a:rPr lang="en-GB" dirty="0" err="1" smtClean="0"/>
+              <a:t>verwaltung</a:t>
+            </a:r>
+            <a:endParaRPr lang="en-GB" dirty="0" smtClean="0"/>
+          </a:p>
+          <a:p>
+            <a:pPr marL="457200" indent="-457200">
+              <a:spcBef>
+                <a:spcPts val="1200"/>
+              </a:spcBef>
+              <a:spcAft>
+                <a:spcPts val="1200"/>
+              </a:spcAft>
+              <a:buFont typeface="Arial" panose="020B0604020202020204" pitchFamily="34" charset="0"/>
+              <a:buChar char="•"/>
+            </a:pPr>
+            <a:r>
+              <a:rPr lang="en-GB" dirty="0" err="1" smtClean="0"/>
+              <a:t>Adressverwaltung</a:t>
+            </a:r>
+            <a:endParaRPr lang="en-GB" dirty="0" smtClean="0"/>
+          </a:p>
+          <a:p>
+            <a:pPr marL="457200" indent="-457200">
+              <a:spcBef>
+                <a:spcPts val="1200"/>
+              </a:spcBef>
+              <a:spcAft>
+                <a:spcPts val="1200"/>
+              </a:spcAft>
+              <a:buFont typeface="Arial" panose="020B0604020202020204" pitchFamily="34" charset="0"/>
+              <a:buChar char="•"/>
+            </a:pPr>
+            <a:r>
+              <a:rPr lang="en-GB" dirty="0" smtClean="0"/>
+              <a:t>Verschlüsselung</a:t>
+            </a:r>
+          </a:p>
+          <a:p>
+            <a:pPr>
+              <a:spcBef>
+                <a:spcPts val="1200"/>
+              </a:spcBef>
+              <a:spcAft>
+                <a:spcPts val="1200"/>
+              </a:spcAft>
+            </a:pPr>
             <a:endParaRPr lang="en-US" dirty="0"/>
           </a:p>
         </p:txBody>
@@ -6534,16 +6588,12 @@
   <p:clrMapOvr>
     <a:masterClrMapping/>
   </p:clrMapOvr>
-  <mc:AlternateContent xmlns:mc="http://schemas.openxmlformats.org/markup-compatibility/2006" xmlns:p14="http://schemas.microsoft.com/office/powerpoint/2010/main">
-    <mc:Choice Requires="p14">
-      <p:transition spd="med" p14:dur="700">
-        <p:fade/>
-      </p:transition>
+  <mc:AlternateContent xmlns:mc="http://schemas.openxmlformats.org/markup-compatibility/2006">
+    <mc:Choice xmlns:p14="http://schemas.microsoft.com/office/powerpoint/2010/main" Requires="p14">
+      <p:transition p14:dur="0"/>
     </mc:Choice>
-    <mc:Fallback xmlns="">
-      <p:transition spd="med">
-        <p:fade/>
-      </p:transition>
+    <mc:Fallback>
+      <p:transition/>
     </mc:Fallback>
   </mc:AlternateContent>
   <p:timing>
@@ -6591,8 +6641,20 @@
           <a:lstStyle/>
           <a:p>
             <a:r>
+              <a:rPr lang="en-GB" sz="3200" dirty="0" err="1" smtClean="0"/>
+              <a:t>Potenzielle</a:t>
+            </a:r>
+            <a:r>
+              <a:rPr lang="en-GB" sz="3200" dirty="0" smtClean="0"/>
+              <a:t> </a:t>
+            </a:r>
+            <a:r>
+              <a:rPr lang="en-GB" sz="3200" dirty="0" err="1" smtClean="0"/>
+              <a:t>Systembestandteile</a:t>
+            </a:r>
+            <a:r>
               <a:rPr lang="en-GB" sz="3200" dirty="0"/>
-              <a:t>Potential System Components And Architecture</a:t>
+              <a:t/>
             </a:r>
             <a:br>
               <a:rPr lang="en-GB" sz="3200" dirty="0"/>
@@ -6622,9 +6684,22 @@
           <a:lstStyle/>
           <a:p>
             <a:r>
-              <a:rPr lang="en-GB" b="1" dirty="0"/>
-              <a:t>Subsystem for receptionists</a:t>
-            </a:r>
+              <a:rPr lang="en-GB" b="1" dirty="0" smtClean="0"/>
+              <a:t>System </a:t>
+            </a:r>
+            <a:r>
+              <a:rPr lang="en-GB" b="1" dirty="0" err="1" smtClean="0"/>
+              <a:t>für</a:t>
+            </a:r>
+            <a:r>
+              <a:rPr lang="en-GB" b="1" dirty="0" smtClean="0"/>
+              <a:t> die </a:t>
+            </a:r>
+            <a:r>
+              <a:rPr lang="en-GB" b="1" dirty="0" err="1" smtClean="0"/>
+              <a:t>Rezeption</a:t>
+            </a:r>
+            <a:endParaRPr lang="en-GB" b="1" dirty="0"/>
           </a:p>
           <a:p>
             <a:pPr marL="457200" indent="-457200">
@@ -6632,9 +6707,18 @@
               <a:buChar char="•"/>
             </a:pPr>
             <a:r>
-              <a:rPr lang="en-GB" dirty="0"/>
-              <a:t>Room / cell management</a:t>
-            </a:r>
+              <a:rPr lang="en-GB" dirty="0" err="1" smtClean="0"/>
+              <a:t>Raum</a:t>
+            </a:r>
+            <a:r>
+              <a:rPr lang="en-GB" dirty="0" smtClean="0"/>
+              <a:t>/ </a:t>
+            </a:r>
+            <a:r>
+              <a:rPr lang="en-GB" dirty="0" err="1" smtClean="0"/>
+              <a:t>Zellen-Verwaltung</a:t>
+            </a:r>
+            <a:endParaRPr lang="en-GB" dirty="0"/>
           </a:p>
           <a:p>
             <a:pPr marL="457200" indent="-457200">
@@ -6642,13 +6726,10 @@
               <a:buChar char="•"/>
             </a:pPr>
             <a:r>
-              <a:rPr lang="en-GB" dirty="0"/>
-              <a:t>Appointment </a:t>
-            </a:r>
-            <a:r>
-              <a:rPr lang="en-GB" dirty="0" smtClean="0"/>
-              <a:t>management</a:t>
-            </a:r>
+              <a:rPr lang="en-GB" dirty="0" err="1" smtClean="0"/>
+              <a:t>Terminverwaltung</a:t>
+            </a:r>
+            <a:endParaRPr lang="en-GB" dirty="0" smtClean="0"/>
           </a:p>
           <a:p>
             <a:pPr marL="457200" indent="-457200">
@@ -6659,9 +6740,22 @@
           </a:p>
           <a:p>
             <a:r>
-              <a:rPr lang="en-GB" b="1" dirty="0"/>
-              <a:t>Subsystem for Clinical Report Staff</a:t>
-            </a:r>
+              <a:rPr lang="en-GB" b="1" dirty="0" smtClean="0"/>
+              <a:t>System </a:t>
+            </a:r>
+            <a:r>
+              <a:rPr lang="en-GB" b="1" dirty="0" err="1" smtClean="0"/>
+              <a:t>für</a:t>
+            </a:r>
+            <a:r>
+              <a:rPr lang="en-GB" b="1" dirty="0" smtClean="0"/>
+              <a:t> den </a:t>
+            </a:r>
+            <a:r>
+              <a:rPr lang="en-GB" b="1" dirty="0" err="1" smtClean="0"/>
+              <a:t>Medizinalstab</a:t>
+            </a:r>
+            <a:endParaRPr lang="en-GB" b="1" dirty="0"/>
           </a:p>
           <a:p>
             <a:pPr marL="457200" indent="-457200">
@@ -6669,22 +6763,40 @@
               <a:buChar char="•"/>
             </a:pPr>
             <a:r>
-              <a:rPr lang="en-GB" dirty="0"/>
-              <a:t>Report </a:t>
-            </a:r>
-            <a:r>
-              <a:rPr lang="en-GB" dirty="0" smtClean="0"/>
-              <a:t>generator</a:t>
-            </a:r>
+              <a:rPr lang="en-GB" dirty="0" err="1" smtClean="0"/>
+              <a:t>Berichterstellung</a:t>
+            </a:r>
+            <a:endParaRPr lang="en-GB" dirty="0" smtClean="0"/>
           </a:p>
           <a:p>
             <a:endParaRPr lang="en-GB" dirty="0"/>
           </a:p>
           <a:p>
             <a:r>
-              <a:rPr lang="en-GB" b="1" dirty="0"/>
-              <a:t>Subsystem for doctors / nurses</a:t>
-            </a:r>
+              <a:rPr lang="en-GB" b="1" dirty="0" smtClean="0"/>
+              <a:t>System </a:t>
+            </a:r>
+            <a:r>
+              <a:rPr lang="en-GB" b="1" dirty="0" err="1" smtClean="0"/>
+              <a:t>für</a:t>
+            </a:r>
+            <a:r>
+              <a:rPr lang="en-GB" b="1" dirty="0" smtClean="0"/>
+              <a:t> </a:t>
+            </a:r>
+            <a:r>
+              <a:rPr lang="en-GB" b="1" dirty="0" err="1" smtClean="0"/>
+              <a:t>Ärzte</a:t>
+            </a:r>
+            <a:r>
+              <a:rPr lang="en-GB" b="1" dirty="0" smtClean="0"/>
+              <a:t> /</a:t>
+            </a:r>
+            <a:r>
+              <a:rPr lang="en-GB" b="1" dirty="0" err="1" smtClean="0"/>
+              <a:t>Krankenschwestern</a:t>
+            </a:r>
+            <a:endParaRPr lang="en-GB" b="1" dirty="0" smtClean="0"/>
           </a:p>
           <a:p>
             <a:pPr marL="457200" indent="-457200">
@@ -6692,33 +6804,38 @@
               <a:buChar char="•"/>
             </a:pPr>
             <a:r>
-              <a:rPr lang="en-GB" dirty="0"/>
-              <a:t>Appointment management</a:t>
-            </a:r>
+              <a:rPr lang="de-CH" dirty="0" smtClean="0"/>
+              <a:t>Terminverwaltung</a:t>
+            </a:r>
+            <a:endParaRPr lang="en-GB" dirty="0" smtClean="0"/>
           </a:p>
           <a:p>
             <a:pPr marL="457200" indent="-457200">
+              <a:spcBef>
+                <a:spcPts val="1200"/>
+              </a:spcBef>
+              <a:spcAft>
+                <a:spcPts val="1200"/>
+              </a:spcAft>
               <a:buFont typeface="Arial" panose="020B0604020202020204" pitchFamily="34" charset="0"/>
               <a:buChar char="•"/>
             </a:pPr>
             <a:r>
+              <a:rPr lang="en-GB" dirty="0" err="1"/>
+              <a:t>Krankengeschichte</a:t>
+            </a:r>
+            <a:r>
               <a:rPr lang="en-GB" dirty="0"/>
-              <a:t>"</a:t>
+              <a:t> (</a:t>
             </a:r>
             <a:r>
               <a:rPr lang="en-GB" dirty="0" err="1"/>
-              <a:t>Carelog</a:t>
-            </a:r>
-            <a:r>
-              <a:rPr lang="en-GB" dirty="0"/>
-              <a:t>" - write entries for each session with the patient</a:t>
-            </a:r>
-          </a:p>
-          <a:p>
-            <a:pPr marL="457200" indent="-457200">
-              <a:buFont typeface="Arial" panose="020B0604020202020204" pitchFamily="34" charset="0"/>
-              <a:buChar char="•"/>
-            </a:pPr>
+              <a:t>Patientenakte</a:t>
+            </a:r>
+            <a:r>
+              <a:rPr lang="en-GB" dirty="0" smtClean="0"/>
+              <a:t>)</a:t>
+            </a:r>
             <a:endParaRPr lang="en-GB" dirty="0"/>
           </a:p>
           <a:p>
@@ -6736,16 +6853,12 @@
   <p:clrMapOvr>
     <a:masterClrMapping/>
   </p:clrMapOvr>
-  <mc:AlternateContent xmlns:mc="http://schemas.openxmlformats.org/markup-compatibility/2006" xmlns:p14="http://schemas.microsoft.com/office/powerpoint/2010/main">
-    <mc:Choice Requires="p14">
-      <p:transition spd="med" p14:dur="700">
-        <p:fade/>
-      </p:transition>
+  <mc:AlternateContent xmlns:mc="http://schemas.openxmlformats.org/markup-compatibility/2006">
+    <mc:Choice xmlns:p14="http://schemas.microsoft.com/office/powerpoint/2010/main" Requires="p14">
+      <p:transition p14:dur="0"/>
     </mc:Choice>
-    <mc:Fallback xmlns="">
-      <p:transition spd="med">
-        <p:fade/>
-      </p:transition>
+    <mc:Fallback>
+      <p:transition/>
     </mc:Fallback>
   </mc:AlternateContent>
   <p:timing>
@@ -6788,17 +6901,14 @@
         <p:spPr/>
         <p:txBody>
           <a:bodyPr>
-            <a:normAutofit fontScale="90000"/>
+            <a:normAutofit/>
           </a:bodyPr>
           <a:lstStyle/>
           <a:p>
             <a:r>
-              <a:rPr lang="en-GB" dirty="0"/>
-              <a:t>Potential System Components And Architecture</a:t>
-            </a:r>
-            <a:br>
-              <a:rPr lang="en-GB" dirty="0"/>
-            </a:br>
+              <a:rPr lang="en-GB" dirty="0" err="1" smtClean="0"/>
+              <a:t>Architektur</a:t>
+            </a:r>
             <a:endParaRPr lang="en-US" dirty="0"/>
           </a:p>
         </p:txBody>
@@ -6823,94 +6933,84 @@
           <a:bodyPr/>
           <a:lstStyle/>
           <a:p>
-            <a:r>
-              <a:rPr lang="en-GB" b="1" dirty="0"/>
-              <a:t>Architecture</a:t>
-            </a:r>
-          </a:p>
-          <a:p>
             <a:pPr marL="457200" indent="-457200">
+              <a:spcBef>
+                <a:spcPts val="1200"/>
+              </a:spcBef>
+              <a:spcAft>
+                <a:spcPts val="1200"/>
+              </a:spcAft>
               <a:buFont typeface="Arial" panose="020B0604020202020204" pitchFamily="34" charset="0"/>
               <a:buChar char="•"/>
             </a:pPr>
             <a:r>
-              <a:rPr lang="en-GB" dirty="0"/>
-              <a:t>Encryption</a:t>
-            </a:r>
+              <a:rPr lang="en-GB" dirty="0" smtClean="0"/>
+              <a:t>Verschlüsselung</a:t>
+            </a:r>
+            <a:endParaRPr lang="en-GB" dirty="0"/>
           </a:p>
           <a:p>
             <a:pPr marL="457200" indent="-457200">
+              <a:spcBef>
+                <a:spcPts val="1200"/>
+              </a:spcBef>
+              <a:spcAft>
+                <a:spcPts val="1200"/>
+              </a:spcAft>
               <a:buFont typeface="Arial" panose="020B0604020202020204" pitchFamily="34" charset="0"/>
               <a:buChar char="•"/>
             </a:pPr>
             <a:r>
-              <a:rPr lang="en-GB" dirty="0"/>
-              <a:t>Mobile-app or Desktop only</a:t>
-            </a:r>
+              <a:rPr lang="de-CH" dirty="0" smtClean="0"/>
+              <a:t>Client / Server</a:t>
+            </a:r>
+            <a:endParaRPr lang="en-GB" dirty="0"/>
           </a:p>
           <a:p>
             <a:pPr marL="457200" indent="-457200">
+              <a:spcBef>
+                <a:spcPts val="1200"/>
+              </a:spcBef>
+              <a:spcAft>
+                <a:spcPts val="1200"/>
+              </a:spcAft>
               <a:buFont typeface="Arial" panose="020B0604020202020204" pitchFamily="34" charset="0"/>
               <a:buChar char="•"/>
             </a:pPr>
             <a:r>
-              <a:rPr lang="en-GB" dirty="0"/>
-              <a:t>Server (central or distributed)</a:t>
-            </a:r>
+              <a:rPr lang="en-GB" dirty="0" err="1" smtClean="0"/>
+              <a:t>Datenbank</a:t>
+            </a:r>
+            <a:endParaRPr lang="en-GB" dirty="0"/>
           </a:p>
           <a:p>
             <a:pPr marL="457200" indent="-457200">
+              <a:spcBef>
+                <a:spcPts val="1200"/>
+              </a:spcBef>
+              <a:spcAft>
+                <a:spcPts val="1200"/>
+              </a:spcAft>
               <a:buFont typeface="Arial" panose="020B0604020202020204" pitchFamily="34" charset="0"/>
               <a:buChar char="•"/>
             </a:pPr>
             <a:r>
+              <a:rPr lang="en-GB" dirty="0" err="1" smtClean="0"/>
+              <a:t>Authentifzierung</a:t>
+            </a:r>
+            <a:r>
+              <a:rPr lang="en-GB" dirty="0" smtClean="0"/>
+              <a:t> / </a:t>
+            </a:r>
+            <a:r>
+              <a:rPr lang="en-GB" dirty="0" err="1" smtClean="0"/>
+              <a:t>Identifizierung</a:t>
+            </a:r>
+            <a:r>
               <a:rPr lang="en-GB" dirty="0"/>
-              <a:t>Database</a:t>
-            </a:r>
-          </a:p>
-          <a:p>
-            <a:pPr marL="457200" indent="-457200">
-              <a:buFont typeface="Arial" panose="020B0604020202020204" pitchFamily="34" charset="0"/>
-              <a:buChar char="•"/>
-            </a:pPr>
-            <a:r>
-              <a:rPr lang="en-GB" dirty="0" err="1"/>
-              <a:t>Webinterface</a:t>
+              <a:t>	</a:t>
             </a:r>
             <a:endParaRPr lang="en-GB" dirty="0"/>
-          </a:p>
-          <a:p>
-            <a:pPr marL="457200" indent="-457200">
-              <a:buFont typeface="Arial" panose="020B0604020202020204" pitchFamily="34" charset="0"/>
-              <a:buChar char="•"/>
-            </a:pPr>
-            <a:r>
-              <a:rPr lang="en-GB" dirty="0"/>
-              <a:t>Controlling / </a:t>
-            </a:r>
-            <a:r>
-              <a:rPr lang="en-GB" dirty="0" err="1"/>
-              <a:t>Authentization</a:t>
-            </a:r>
-            <a:r>
-              <a:rPr lang="en-GB" dirty="0"/>
-              <a:t> / </a:t>
-            </a:r>
-            <a:r>
-              <a:rPr lang="en-GB" dirty="0" err="1"/>
-              <a:t>Autorization</a:t>
-            </a:r>
-            <a:endParaRPr lang="en-GB" dirty="0"/>
-          </a:p>
-          <a:p>
-            <a:pPr marL="457200" indent="-457200">
-              <a:buFont typeface="Arial" panose="020B0604020202020204" pitchFamily="34" charset="0"/>
-              <a:buChar char="•"/>
-            </a:pPr>
-            <a:r>
-              <a:rPr lang="en-GB" dirty="0"/>
-              <a:t>Networking</a:t>
-            </a:r>
           </a:p>
           <a:p>
             <a:endParaRPr lang="en-US" dirty="0"/>
@@ -6927,16 +7027,12 @@
   <p:clrMapOvr>
     <a:masterClrMapping/>
   </p:clrMapOvr>
-  <mc:AlternateContent xmlns:mc="http://schemas.openxmlformats.org/markup-compatibility/2006" xmlns:p14="http://schemas.microsoft.com/office/powerpoint/2010/main">
-    <mc:Choice Requires="p14">
-      <p:transition spd="med" p14:dur="700">
-        <p:fade/>
-      </p:transition>
+  <mc:AlternateContent xmlns:mc="http://schemas.openxmlformats.org/markup-compatibility/2006">
+    <mc:Choice xmlns:p14="http://schemas.microsoft.com/office/powerpoint/2010/main" Requires="p14">
+      <p:transition p14:dur="0"/>
     </mc:Choice>
-    <mc:Fallback xmlns="">
-      <p:transition spd="med">
-        <p:fade/>
-      </p:transition>
+    <mc:Fallback>
+      <p:transition/>
     </mc:Fallback>
   </mc:AlternateContent>
   <p:timing>
@@ -7062,7 +7158,7 @@
         <a:font script="Geor" typeface="Sylfaen"/>
       </a:minorFont>
     </a:fontScheme>
-    <a:fmtScheme name="Extreme Shadow">
+    <a:fmtScheme name="Office">
       <a:fillStyleLst>
         <a:solidFill>
           <a:schemeClr val="phClr"/>
@@ -7071,116 +7167,93 @@
           <a:gsLst>
             <a:gs pos="0">
               <a:schemeClr val="phClr">
-                <a:tint val="90000"/>
+                <a:lumMod val="110000"/>
+                <a:satMod val="105000"/>
+                <a:tint val="67000"/>
               </a:schemeClr>
             </a:gs>
-            <a:gs pos="48000">
+            <a:gs pos="50000">
               <a:schemeClr val="phClr">
-                <a:tint val="54000"/>
-                <a:satMod val="140000"/>
+                <a:lumMod val="105000"/>
+                <a:satMod val="103000"/>
+                <a:tint val="73000"/>
               </a:schemeClr>
             </a:gs>
             <a:gs pos="100000">
               <a:schemeClr val="phClr">
-                <a:tint val="24000"/>
-                <a:satMod val="260000"/>
+                <a:lumMod val="105000"/>
+                <a:satMod val="109000"/>
+                <a:tint val="81000"/>
               </a:schemeClr>
             </a:gs>
           </a:gsLst>
-          <a:lin ang="16200000" scaled="1"/>
+          <a:lin ang="5400000" scaled="0"/>
         </a:gradFill>
         <a:gradFill rotWithShape="1">
           <a:gsLst>
             <a:gs pos="0">
-              <a:schemeClr val="phClr"/>
+              <a:schemeClr val="phClr">
+                <a:satMod val="103000"/>
+                <a:lumMod val="102000"/>
+                <a:tint val="94000"/>
+              </a:schemeClr>
             </a:gs>
-            <a:gs pos="100000">
+            <a:gs pos="50000">
               <a:schemeClr val="phClr">
-                <a:shade val="48000"/>
-                <a:satMod val="180000"/>
-                <a:lumMod val="94000"/>
+                <a:satMod val="110000"/>
+                <a:lumMod val="100000"/>
+                <a:shade val="100000"/>
               </a:schemeClr>
             </a:gs>
             <a:gs pos="100000">
               <a:schemeClr val="phClr">
-                <a:shade val="48000"/>
-                <a:satMod val="180000"/>
-                <a:lumMod val="94000"/>
+                <a:lumMod val="99000"/>
+                <a:satMod val="120000"/>
+                <a:shade val="78000"/>
               </a:schemeClr>
             </a:gs>
           </a:gsLst>
-          <a:lin ang="4140000" scaled="1"/>
+          <a:lin ang="5400000" scaled="0"/>
         </a:gradFill>
       </a:fillStyleLst>
       <a:lnStyleLst>
+        <a:ln w="6350" cap="flat" cmpd="sng" algn="ctr">
+          <a:solidFill>
+            <a:schemeClr val="phClr"/>
+          </a:solidFill>
+          <a:prstDash val="solid"/>
+          <a:miter lim="800000"/>
+        </a:ln>
         <a:ln w="12700" cap="flat" cmpd="sng" algn="ctr">
           <a:solidFill>
             <a:schemeClr val="phClr"/>
           </a:solidFill>
           <a:prstDash val="solid"/>
+          <a:miter lim="800000"/>
         </a:ln>
         <a:ln w="19050" cap="flat" cmpd="sng" algn="ctr">
           <a:solidFill>
             <a:schemeClr val="phClr"/>
           </a:solidFill>
           <a:prstDash val="solid"/>
-        </a:ln>
-        <a:ln w="28575" cap="flat" cmpd="sng" algn="ctr">
-          <a:solidFill>
-            <a:schemeClr val="phClr"/>
-          </a:solidFill>
-          <a:prstDash val="solid"/>
+          <a:miter lim="800000"/>
         </a:ln>
       </a:lnStyleLst>
       <a:effectStyleLst>
         <a:effectStyle>
+          <a:effectLst/>
+        </a:effectStyle>
+        <a:effectStyle>
+          <a:effectLst/>
+        </a:effectStyle>
+        <a:effectStyle>
           <a:effectLst>
-            <a:outerShdw blurRad="63500" dist="12700" dir="5400000" sx="102000" sy="102000" rotWithShape="0">
+            <a:outerShdw blurRad="57150" dist="19050" dir="5400000" algn="ctr" rotWithShape="0">
               <a:srgbClr val="000000">
-                <a:alpha val="32000"/>
+                <a:alpha val="63000"/>
               </a:srgbClr>
             </a:outerShdw>
           </a:effectLst>
-        </a:effectStyle>
-        <a:effectStyle>
-          <a:effectLst>
-            <a:outerShdw blurRad="76200" dist="38100" dir="5400000" rotWithShape="0">
-              <a:srgbClr val="000000">
-                <a:alpha val="60000"/>
-              </a:srgbClr>
-            </a:outerShdw>
-          </a:effectLst>
-          <a:scene3d>
-            <a:camera prst="orthographicFront">
-              <a:rot lat="0" lon="0" rev="0"/>
-            </a:camera>
-            <a:lightRig rig="threePt" dir="tl">
-              <a:rot lat="0" lon="0" rev="19800000"/>
-            </a:lightRig>
-          </a:scene3d>
-          <a:sp3d prstMaterial="plastic">
-            <a:bevelT w="25400" h="19050"/>
-          </a:sp3d>
-        </a:effectStyle>
-        <a:effectStyle>
-          <a:effectLst>
-            <a:outerShdw blurRad="114300" dist="114300" dir="5400000" rotWithShape="0">
-              <a:srgbClr val="000000">
-                <a:alpha val="70000"/>
-              </a:srgbClr>
-            </a:outerShdw>
-          </a:effectLst>
-          <a:scene3d>
-            <a:camera prst="orthographicFront">
-              <a:rot lat="0" lon="0" rev="0"/>
-            </a:camera>
-            <a:lightRig rig="threePt" dir="t">
-              <a:rot lat="0" lon="0" rev="19800000"/>
-            </a:lightRig>
-          </a:scene3d>
-          <a:sp3d prstMaterial="plastic">
-            <a:bevelT w="38100" h="31750"/>
-          </a:sp3d>
         </a:effectStyle>
       </a:effectStyleLst>
       <a:bgFillStyleLst>

--- a/doc/task01/Task 1.pptx
+++ b/doc/task01/Task 1.pptx
@@ -5,10 +5,10 @@
     <p:sldMasterId id="2147483660" r:id="rId2"/>
   </p:sldMasterIdLst>
   <p:notesMasterIdLst>
-    <p:notesMasterId r:id="rId11"/>
+    <p:notesMasterId r:id="rId10"/>
   </p:notesMasterIdLst>
   <p:handoutMasterIdLst>
-    <p:handoutMasterId r:id="rId12"/>
+    <p:handoutMasterId r:id="rId11"/>
   </p:handoutMasterIdLst>
   <p:sldIdLst>
     <p:sldId id="279" r:id="rId3"/>
@@ -18,7 +18,6 @@
     <p:sldId id="286" r:id="rId7"/>
     <p:sldId id="283" r:id="rId8"/>
     <p:sldId id="284" r:id="rId9"/>
-    <p:sldId id="285" r:id="rId10"/>
   </p:sldIdLst>
   <p:sldSz cx="12188825" cy="6858000"/>
   <p:notesSz cx="6858000" cy="9144000"/>
@@ -1384,11 +1383,11 @@
   <p:clrMapOvr>
     <a:masterClrMapping/>
   </p:clrMapOvr>
-  <mc:AlternateContent xmlns:mc="http://schemas.openxmlformats.org/markup-compatibility/2006">
-    <mc:Choice xmlns:p14="http://schemas.microsoft.com/office/powerpoint/2010/main" Requires="p14">
+  <mc:AlternateContent xmlns:mc="http://schemas.openxmlformats.org/markup-compatibility/2006" xmlns:p14="http://schemas.microsoft.com/office/powerpoint/2010/main">
+    <mc:Choice Requires="p14">
       <p:transition p14:dur="0"/>
     </mc:Choice>
-    <mc:Fallback>
+    <mc:Fallback xmlns="">
       <p:transition/>
     </mc:Fallback>
   </mc:AlternateContent>
@@ -1656,11 +1655,11 @@
   <p:clrMapOvr>
     <a:masterClrMapping/>
   </p:clrMapOvr>
-  <mc:AlternateContent xmlns:mc="http://schemas.openxmlformats.org/markup-compatibility/2006">
-    <mc:Choice xmlns:p14="http://schemas.microsoft.com/office/powerpoint/2010/main" Requires="p14">
+  <mc:AlternateContent xmlns:mc="http://schemas.openxmlformats.org/markup-compatibility/2006" xmlns:p14="http://schemas.microsoft.com/office/powerpoint/2010/main">
+    <mc:Choice Requires="p14">
       <p:transition p14:dur="0"/>
     </mc:Choice>
-    <mc:Fallback>
+    <mc:Fallback xmlns="">
       <p:transition/>
     </mc:Fallback>
   </mc:AlternateContent>
@@ -1852,11 +1851,11 @@
   <p:clrMapOvr>
     <a:masterClrMapping/>
   </p:clrMapOvr>
-  <mc:AlternateContent xmlns:mc="http://schemas.openxmlformats.org/markup-compatibility/2006">
-    <mc:Choice xmlns:p14="http://schemas.microsoft.com/office/powerpoint/2010/main" Requires="p14">
+  <mc:AlternateContent xmlns:mc="http://schemas.openxmlformats.org/markup-compatibility/2006" xmlns:p14="http://schemas.microsoft.com/office/powerpoint/2010/main">
+    <mc:Choice Requires="p14">
       <p:transition p14:dur="0"/>
     </mc:Choice>
-    <mc:Fallback>
+    <mc:Fallback xmlns="">
       <p:transition/>
     </mc:Fallback>
   </mc:AlternateContent>
@@ -2058,11 +2057,11 @@
   <p:clrMapOvr>
     <a:masterClrMapping/>
   </p:clrMapOvr>
-  <mc:AlternateContent xmlns:mc="http://schemas.openxmlformats.org/markup-compatibility/2006">
-    <mc:Choice xmlns:p14="http://schemas.microsoft.com/office/powerpoint/2010/main" Requires="p14">
+  <mc:AlternateContent xmlns:mc="http://schemas.openxmlformats.org/markup-compatibility/2006" xmlns:p14="http://schemas.microsoft.com/office/powerpoint/2010/main">
+    <mc:Choice Requires="p14">
       <p:transition p14:dur="0"/>
     </mc:Choice>
-    <mc:Fallback>
+    <mc:Fallback xmlns="">
       <p:transition/>
     </mc:Fallback>
   </mc:AlternateContent>
@@ -2254,11 +2253,11 @@
   <p:clrMapOvr>
     <a:masterClrMapping/>
   </p:clrMapOvr>
-  <mc:AlternateContent xmlns:mc="http://schemas.openxmlformats.org/markup-compatibility/2006">
-    <mc:Choice xmlns:p14="http://schemas.microsoft.com/office/powerpoint/2010/main" Requires="p14">
+  <mc:AlternateContent xmlns:mc="http://schemas.openxmlformats.org/markup-compatibility/2006" xmlns:p14="http://schemas.microsoft.com/office/powerpoint/2010/main">
+    <mc:Choice Requires="p14">
       <p:transition p14:dur="0"/>
     </mc:Choice>
-    <mc:Fallback>
+    <mc:Fallback xmlns="">
       <p:transition/>
     </mc:Fallback>
   </mc:AlternateContent>
@@ -3003,11 +3002,11 @@
   <p:clrMapOvr>
     <a:masterClrMapping/>
   </p:clrMapOvr>
-  <mc:AlternateContent xmlns:mc="http://schemas.openxmlformats.org/markup-compatibility/2006">
-    <mc:Choice xmlns:p14="http://schemas.microsoft.com/office/powerpoint/2010/main" Requires="p14">
+  <mc:AlternateContent xmlns:mc="http://schemas.openxmlformats.org/markup-compatibility/2006" xmlns:p14="http://schemas.microsoft.com/office/powerpoint/2010/main">
+    <mc:Choice Requires="p14">
       <p:transition p14:dur="0"/>
     </mc:Choice>
-    <mc:Fallback>
+    <mc:Fallback xmlns="">
       <p:transition/>
     </mc:Fallback>
   </mc:AlternateContent>
@@ -3305,11 +3304,11 @@
   <p:clrMapOvr>
     <a:masterClrMapping/>
   </p:clrMapOvr>
-  <mc:AlternateContent xmlns:mc="http://schemas.openxmlformats.org/markup-compatibility/2006">
-    <mc:Choice xmlns:p14="http://schemas.microsoft.com/office/powerpoint/2010/main" Requires="p14">
+  <mc:AlternateContent xmlns:mc="http://schemas.openxmlformats.org/markup-compatibility/2006" xmlns:p14="http://schemas.microsoft.com/office/powerpoint/2010/main">
+    <mc:Choice Requires="p14">
       <p:transition p14:dur="0"/>
     </mc:Choice>
-    <mc:Fallback>
+    <mc:Fallback xmlns="">
       <p:transition/>
     </mc:Fallback>
   </mc:AlternateContent>
@@ -3765,11 +3764,11 @@
   <p:clrMapOvr>
     <a:masterClrMapping/>
   </p:clrMapOvr>
-  <mc:AlternateContent xmlns:mc="http://schemas.openxmlformats.org/markup-compatibility/2006">
-    <mc:Choice xmlns:p14="http://schemas.microsoft.com/office/powerpoint/2010/main" Requires="p14">
+  <mc:AlternateContent xmlns:mc="http://schemas.openxmlformats.org/markup-compatibility/2006" xmlns:p14="http://schemas.microsoft.com/office/powerpoint/2010/main">
+    <mc:Choice Requires="p14">
       <p:transition p14:dur="0"/>
     </mc:Choice>
-    <mc:Fallback>
+    <mc:Fallback xmlns="">
       <p:transition/>
     </mc:Fallback>
   </mc:AlternateContent>
@@ -3893,11 +3892,11 @@
   <p:clrMapOvr>
     <a:masterClrMapping/>
   </p:clrMapOvr>
-  <mc:AlternateContent xmlns:mc="http://schemas.openxmlformats.org/markup-compatibility/2006">
-    <mc:Choice xmlns:p14="http://schemas.microsoft.com/office/powerpoint/2010/main" Requires="p14">
+  <mc:AlternateContent xmlns:mc="http://schemas.openxmlformats.org/markup-compatibility/2006" xmlns:p14="http://schemas.microsoft.com/office/powerpoint/2010/main">
+    <mc:Choice Requires="p14">
       <p:transition p14:dur="0"/>
     </mc:Choice>
-    <mc:Fallback>
+    <mc:Fallback xmlns="">
       <p:transition/>
     </mc:Fallback>
   </mc:AlternateContent>
@@ -3933,11 +3932,11 @@
   <p:clrMapOvr>
     <a:masterClrMapping/>
   </p:clrMapOvr>
-  <mc:AlternateContent xmlns:mc="http://schemas.openxmlformats.org/markup-compatibility/2006">
-    <mc:Choice xmlns:p14="http://schemas.microsoft.com/office/powerpoint/2010/main" Requires="p14">
+  <mc:AlternateContent xmlns:mc="http://schemas.openxmlformats.org/markup-compatibility/2006" xmlns:p14="http://schemas.microsoft.com/office/powerpoint/2010/main">
+    <mc:Choice Requires="p14">
       <p:transition p14:dur="0"/>
     </mc:Choice>
-    <mc:Fallback>
+    <mc:Fallback xmlns="">
       <p:transition/>
     </mc:Fallback>
   </mc:AlternateContent>
@@ -4217,11 +4216,11 @@
   <p:clrMapOvr>
     <a:masterClrMapping/>
   </p:clrMapOvr>
-  <mc:AlternateContent xmlns:mc="http://schemas.openxmlformats.org/markup-compatibility/2006">
-    <mc:Choice xmlns:p14="http://schemas.microsoft.com/office/powerpoint/2010/main" Requires="p14">
+  <mc:AlternateContent xmlns:mc="http://schemas.openxmlformats.org/markup-compatibility/2006" xmlns:p14="http://schemas.microsoft.com/office/powerpoint/2010/main">
+    <mc:Choice Requires="p14">
       <p:transition p14:dur="0"/>
     </mc:Choice>
-    <mc:Fallback>
+    <mc:Fallback xmlns="">
       <p:transition/>
     </mc:Fallback>
   </mc:AlternateContent>
@@ -4972,11 +4971,11 @@
   <p:clrMapOvr>
     <a:masterClrMapping/>
   </p:clrMapOvr>
-  <mc:AlternateContent xmlns:mc="http://schemas.openxmlformats.org/markup-compatibility/2006">
-    <mc:Choice xmlns:p14="http://schemas.microsoft.com/office/powerpoint/2010/main" Requires="p14">
+  <mc:AlternateContent xmlns:mc="http://schemas.openxmlformats.org/markup-compatibility/2006" xmlns:p14="http://schemas.microsoft.com/office/powerpoint/2010/main">
+    <mc:Choice Requires="p14">
       <p:transition p14:dur="0"/>
     </mc:Choice>
-    <mc:Fallback>
+    <mc:Fallback xmlns="">
       <p:transition/>
     </mc:Fallback>
   </mc:AlternateContent>
@@ -5240,11 +5239,11 @@
     <p:sldLayoutId id="2147483678" r:id="rId11"/>
     <p:sldLayoutId id="2147483679" r:id="rId12"/>
   </p:sldLayoutIdLst>
-  <mc:AlternateContent xmlns:mc="http://schemas.openxmlformats.org/markup-compatibility/2006">
-    <mc:Choice xmlns:p14="http://schemas.microsoft.com/office/powerpoint/2010/main" Requires="p14">
+  <mc:AlternateContent xmlns:mc="http://schemas.openxmlformats.org/markup-compatibility/2006" xmlns:p14="http://schemas.microsoft.com/office/powerpoint/2010/main">
+    <mc:Choice Requires="p14">
       <p:transition p14:dur="0"/>
     </mc:Choice>
-    <mc:Fallback>
+    <mc:Fallback xmlns="">
       <p:transition/>
     </mc:Fallback>
   </mc:AlternateContent>
@@ -5670,11 +5669,11 @@
   <p:clrMapOvr>
     <a:masterClrMapping/>
   </p:clrMapOvr>
-  <mc:AlternateContent xmlns:mc="http://schemas.openxmlformats.org/markup-compatibility/2006">
-    <mc:Choice xmlns:p14="http://schemas.microsoft.com/office/powerpoint/2010/main" Requires="p14">
+  <mc:AlternateContent xmlns:mc="http://schemas.openxmlformats.org/markup-compatibility/2006" xmlns:p14="http://schemas.microsoft.com/office/powerpoint/2010/main">
+    <mc:Choice Requires="p14">
       <p:transition p14:dur="0"/>
     </mc:Choice>
-    <mc:Fallback>
+    <mc:Fallback xmlns="">
       <p:transition/>
     </mc:Fallback>
   </mc:AlternateContent>
@@ -5817,26 +5816,6 @@
             </a:r>
             <a:endParaRPr lang="en-GB" dirty="0"/>
           </a:p>
-          <a:p>
-            <a:pPr marL="457200" indent="-457200">
-              <a:spcBef>
-                <a:spcPts val="1200"/>
-              </a:spcBef>
-              <a:spcAft>
-                <a:spcPts val="1200"/>
-              </a:spcAft>
-              <a:buFont typeface="Arial" panose="020B0604020202020204" pitchFamily="34" charset="0"/>
-              <a:buChar char="•"/>
-            </a:pPr>
-            <a:r>
-              <a:rPr lang="en-GB" dirty="0" err="1" smtClean="0"/>
-              <a:t>Medizinalstab</a:t>
-            </a:r>
-            <a:endParaRPr lang="en-GB" dirty="0" smtClean="0"/>
-          </a:p>
-          <a:p>
-            <a:endParaRPr lang="en-US" dirty="0"/>
-          </a:p>
         </p:txBody>
       </p:sp>
     </p:spTree>
@@ -5849,11 +5828,11 @@
   <p:clrMapOvr>
     <a:masterClrMapping/>
   </p:clrMapOvr>
-  <mc:AlternateContent xmlns:mc="http://schemas.openxmlformats.org/markup-compatibility/2006">
-    <mc:Choice xmlns:p14="http://schemas.microsoft.com/office/powerpoint/2010/main" Requires="p14">
+  <mc:AlternateContent xmlns:mc="http://schemas.openxmlformats.org/markup-compatibility/2006" xmlns:p14="http://schemas.microsoft.com/office/powerpoint/2010/main">
+    <mc:Choice Requires="p14">
       <p:transition p14:dur="0"/>
     </mc:Choice>
-    <mc:Fallback>
+    <mc:Fallback xmlns="">
       <p:transition/>
     </mc:Fallback>
   </mc:AlternateContent>
@@ -6054,11 +6033,11 @@
   <p:clrMapOvr>
     <a:masterClrMapping/>
   </p:clrMapOvr>
-  <mc:AlternateContent xmlns:mc="http://schemas.openxmlformats.org/markup-compatibility/2006">
-    <mc:Choice xmlns:p14="http://schemas.microsoft.com/office/powerpoint/2010/main" Requires="p14">
+  <mc:AlternateContent xmlns:mc="http://schemas.openxmlformats.org/markup-compatibility/2006" xmlns:p14="http://schemas.microsoft.com/office/powerpoint/2010/main">
+    <mc:Choice Requires="p14">
       <p:transition p14:dur="0"/>
     </mc:Choice>
-    <mc:Fallback>
+    <mc:Fallback xmlns="">
       <p:transition/>
     </mc:Fallback>
   </mc:AlternateContent>
@@ -6180,7 +6159,6 @@
               <a:rPr lang="en-GB" dirty="0" smtClean="0"/>
               <a:t>)</a:t>
             </a:r>
-            <a:endParaRPr lang="en-GB" dirty="0" smtClean="0"/>
           </a:p>
           <a:p>
             <a:pPr marL="457200" indent="-457200">
@@ -6275,11 +6253,11 @@
   <p:clrMapOvr>
     <a:masterClrMapping/>
   </p:clrMapOvr>
-  <mc:AlternateContent xmlns:mc="http://schemas.openxmlformats.org/markup-compatibility/2006">
-    <mc:Choice xmlns:p14="http://schemas.microsoft.com/office/powerpoint/2010/main" Requires="p14">
+  <mc:AlternateContent xmlns:mc="http://schemas.openxmlformats.org/markup-compatibility/2006" xmlns:p14="http://schemas.microsoft.com/office/powerpoint/2010/main">
+    <mc:Choice Requires="p14">
       <p:transition p14:dur="0"/>
     </mc:Choice>
-    <mc:Fallback>
+    <mc:Fallback xmlns="">
       <p:transition/>
     </mc:Fallback>
   </mc:AlternateContent>
@@ -6361,11 +6339,11 @@
   <p:clrMapOvr>
     <a:masterClrMapping/>
   </p:clrMapOvr>
-  <mc:AlternateContent xmlns:mc="http://schemas.openxmlformats.org/markup-compatibility/2006">
-    <mc:Choice xmlns:p14="http://schemas.microsoft.com/office/powerpoint/2010/main" Requires="p14">
+  <mc:AlternateContent xmlns:mc="http://schemas.openxmlformats.org/markup-compatibility/2006" xmlns:p14="http://schemas.microsoft.com/office/powerpoint/2010/main">
+    <mc:Choice Requires="p14">
       <p:transition p14:dur="0"/>
     </mc:Choice>
-    <mc:Fallback>
+    <mc:Fallback xmlns="">
       <p:transition/>
     </mc:Fallback>
   </mc:AlternateContent>
@@ -6407,19 +6385,19 @@
           <a:lstStyle/>
           <a:p>
             <a:r>
-              <a:rPr lang="en-GB" sz="3100" b="1" dirty="0" err="1" smtClean="0"/>
+              <a:rPr lang="en-GB" sz="3100" dirty="0" err="1" smtClean="0"/>
               <a:t>Potenzielle</a:t>
             </a:r>
             <a:r>
-              <a:rPr lang="en-GB" sz="3100" b="1" dirty="0" smtClean="0"/>
+              <a:rPr lang="en-GB" sz="3100" dirty="0" smtClean="0"/>
               <a:t> </a:t>
             </a:r>
             <a:r>
-              <a:rPr lang="en-GB" sz="3100" b="1" dirty="0" err="1"/>
+              <a:rPr lang="en-GB" sz="3100" dirty="0" err="1"/>
               <a:t>K</a:t>
             </a:r>
             <a:r>
-              <a:rPr lang="en-GB" sz="3100" b="1" dirty="0" err="1" smtClean="0"/>
+              <a:rPr lang="en-GB" sz="3100" dirty="0" err="1" smtClean="0"/>
               <a:t>omponenten</a:t>
             </a:r>
             <a:r>
@@ -6524,11 +6502,7 @@
             </a:pPr>
             <a:r>
               <a:rPr lang="en-GB" dirty="0" err="1" smtClean="0"/>
-              <a:t>Patienten</a:t>
-            </a:r>
-            <a:r>
-              <a:rPr lang="en-GB" dirty="0" err="1" smtClean="0"/>
-              <a:t>verwaltung</a:t>
+              <a:t>Patientenverwaltung</a:t>
             </a:r>
             <a:endParaRPr lang="en-GB" dirty="0" smtClean="0"/>
           </a:p>
@@ -6588,11 +6562,11 @@
   <p:clrMapOvr>
     <a:masterClrMapping/>
   </p:clrMapOvr>
-  <mc:AlternateContent xmlns:mc="http://schemas.openxmlformats.org/markup-compatibility/2006">
-    <mc:Choice xmlns:p14="http://schemas.microsoft.com/office/powerpoint/2010/main" Requires="p14">
+  <mc:AlternateContent xmlns:mc="http://schemas.openxmlformats.org/markup-compatibility/2006" xmlns:p14="http://schemas.microsoft.com/office/powerpoint/2010/main">
+    <mc:Choice Requires="p14">
       <p:transition p14:dur="0"/>
     </mc:Choice>
-    <mc:Fallback>
+    <mc:Fallback xmlns="">
       <p:transition/>
     </mc:Fallback>
   </mc:AlternateContent>
@@ -6853,185 +6827,11 @@
   <p:clrMapOvr>
     <a:masterClrMapping/>
   </p:clrMapOvr>
-  <mc:AlternateContent xmlns:mc="http://schemas.openxmlformats.org/markup-compatibility/2006">
-    <mc:Choice xmlns:p14="http://schemas.microsoft.com/office/powerpoint/2010/main" Requires="p14">
+  <mc:AlternateContent xmlns:mc="http://schemas.openxmlformats.org/markup-compatibility/2006" xmlns:p14="http://schemas.microsoft.com/office/powerpoint/2010/main">
+    <mc:Choice Requires="p14">
       <p:transition p14:dur="0"/>
     </mc:Choice>
-    <mc:Fallback>
-      <p:transition/>
-    </mc:Fallback>
-  </mc:AlternateContent>
-  <p:timing>
-    <p:tnLst>
-      <p:par>
-        <p:cTn id="1" dur="indefinite" restart="never" nodeType="tmRoot"/>
-      </p:par>
-    </p:tnLst>
-  </p:timing>
-</p:sld>
-</file>
-
-<file path=ppt/slides/slide8.xml><?xml version="1.0" encoding="utf-8"?>
-<p:sld xmlns:a="http://schemas.openxmlformats.org/drawingml/2006/main" xmlns:r="http://schemas.openxmlformats.org/officeDocument/2006/relationships" xmlns:p="http://schemas.openxmlformats.org/presentationml/2006/main">
-  <p:cSld>
-    <p:spTree>
-      <p:nvGrpSpPr>
-        <p:cNvPr id="1" name=""/>
-        <p:cNvGrpSpPr/>
-        <p:nvPr/>
-      </p:nvGrpSpPr>
-      <p:grpSpPr>
-        <a:xfrm>
-          <a:off x="0" y="0"/>
-          <a:ext cx="0" cy="0"/>
-          <a:chOff x="0" y="0"/>
-          <a:chExt cx="0" cy="0"/>
-        </a:xfrm>
-      </p:grpSpPr>
-      <p:sp>
-        <p:nvSpPr>
-          <p:cNvPr id="2" name="Title 1"/>
-          <p:cNvSpPr>
-            <a:spLocks noGrp="1"/>
-          </p:cNvSpPr>
-          <p:nvPr>
-            <p:ph type="title"/>
-          </p:nvPr>
-        </p:nvSpPr>
-        <p:spPr/>
-        <p:txBody>
-          <a:bodyPr>
-            <a:normAutofit/>
-          </a:bodyPr>
-          <a:lstStyle/>
-          <a:p>
-            <a:r>
-              <a:rPr lang="en-GB" dirty="0" err="1" smtClean="0"/>
-              <a:t>Architektur</a:t>
-            </a:r>
-            <a:endParaRPr lang="en-US" dirty="0"/>
-          </a:p>
-        </p:txBody>
-      </p:sp>
-      <p:sp>
-        <p:nvSpPr>
-          <p:cNvPr id="3" name="Text Placeholder 2"/>
-          <p:cNvSpPr>
-            <a:spLocks noGrp="1"/>
-          </p:cNvSpPr>
-          <p:nvPr>
-            <p:ph type="body" idx="1"/>
-          </p:nvPr>
-        </p:nvSpPr>
-        <p:spPr>
-          <a:xfrm>
-            <a:off x="914161" y="1803400"/>
-            <a:ext cx="10360501" cy="4649936"/>
-          </a:xfrm>
-        </p:spPr>
-        <p:txBody>
-          <a:bodyPr/>
-          <a:lstStyle/>
-          <a:p>
-            <a:pPr marL="457200" indent="-457200">
-              <a:spcBef>
-                <a:spcPts val="1200"/>
-              </a:spcBef>
-              <a:spcAft>
-                <a:spcPts val="1200"/>
-              </a:spcAft>
-              <a:buFont typeface="Arial" panose="020B0604020202020204" pitchFamily="34" charset="0"/>
-              <a:buChar char="•"/>
-            </a:pPr>
-            <a:r>
-              <a:rPr lang="en-GB" dirty="0" smtClean="0"/>
-              <a:t>Verschlüsselung</a:t>
-            </a:r>
-            <a:endParaRPr lang="en-GB" dirty="0"/>
-          </a:p>
-          <a:p>
-            <a:pPr marL="457200" indent="-457200">
-              <a:spcBef>
-                <a:spcPts val="1200"/>
-              </a:spcBef>
-              <a:spcAft>
-                <a:spcPts val="1200"/>
-              </a:spcAft>
-              <a:buFont typeface="Arial" panose="020B0604020202020204" pitchFamily="34" charset="0"/>
-              <a:buChar char="•"/>
-            </a:pPr>
-            <a:r>
-              <a:rPr lang="de-CH" dirty="0" smtClean="0"/>
-              <a:t>Client / Server</a:t>
-            </a:r>
-            <a:endParaRPr lang="en-GB" dirty="0"/>
-          </a:p>
-          <a:p>
-            <a:pPr marL="457200" indent="-457200">
-              <a:spcBef>
-                <a:spcPts val="1200"/>
-              </a:spcBef>
-              <a:spcAft>
-                <a:spcPts val="1200"/>
-              </a:spcAft>
-              <a:buFont typeface="Arial" panose="020B0604020202020204" pitchFamily="34" charset="0"/>
-              <a:buChar char="•"/>
-            </a:pPr>
-            <a:r>
-              <a:rPr lang="en-GB" dirty="0" err="1" smtClean="0"/>
-              <a:t>Datenbank</a:t>
-            </a:r>
-            <a:endParaRPr lang="en-GB" dirty="0"/>
-          </a:p>
-          <a:p>
-            <a:pPr marL="457200" indent="-457200">
-              <a:spcBef>
-                <a:spcPts val="1200"/>
-              </a:spcBef>
-              <a:spcAft>
-                <a:spcPts val="1200"/>
-              </a:spcAft>
-              <a:buFont typeface="Arial" panose="020B0604020202020204" pitchFamily="34" charset="0"/>
-              <a:buChar char="•"/>
-            </a:pPr>
-            <a:r>
-              <a:rPr lang="en-GB" dirty="0" err="1" smtClean="0"/>
-              <a:t>Authentifzierung</a:t>
-            </a:r>
-            <a:r>
-              <a:rPr lang="en-GB" dirty="0" smtClean="0"/>
-              <a:t> / </a:t>
-            </a:r>
-            <a:r>
-              <a:rPr lang="en-GB" dirty="0" err="1" smtClean="0"/>
-              <a:t>Identifizierung</a:t>
-            </a:r>
-            <a:r>
-              <a:rPr lang="en-GB" dirty="0"/>
-              <a:t>	</a:t>
-            </a:r>
-            <a:endParaRPr lang="en-GB" dirty="0"/>
-          </a:p>
-          <a:p>
-            <a:endParaRPr lang="en-US" dirty="0"/>
-          </a:p>
-        </p:txBody>
-      </p:sp>
-    </p:spTree>
-    <p:extLst>
-      <p:ext uri="{BB962C8B-B14F-4D97-AF65-F5344CB8AC3E}">
-        <p14:creationId xmlns:p14="http://schemas.microsoft.com/office/powerpoint/2010/main" val="3784360135"/>
-      </p:ext>
-    </p:extLst>
-  </p:cSld>
-  <p:clrMapOvr>
-    <a:masterClrMapping/>
-  </p:clrMapOvr>
-  <mc:AlternateContent xmlns:mc="http://schemas.openxmlformats.org/markup-compatibility/2006">
-    <mc:Choice xmlns:p14="http://schemas.microsoft.com/office/powerpoint/2010/main" Requires="p14">
-      <p:transition p14:dur="0"/>
-    </mc:Choice>
-    <mc:Fallback>
+    <mc:Fallback xmlns="">
       <p:transition/>
     </mc:Fallback>
   </mc:AlternateContent>
